--- a/Processed figure/blockdiagram.pptx
+++ b/Processed figure/blockdiagram.pptx
@@ -7,6 +7,7 @@
   <p:sldIdLst>
     <p:sldId id="256" r:id="rId2"/>
     <p:sldId id="257" r:id="rId3"/>
+    <p:sldId id="258" r:id="rId4"/>
   </p:sldIdLst>
   <p:sldSz cx="6840538" cy="2286000"/>
   <p:notesSz cx="6858000" cy="9144000"/>
@@ -244,7 +245,7 @@
           <a:p>
             <a:fld id="{3B1DD487-E9A5-4BD0-B6C1-1043E79918C3}" type="datetimeFigureOut">
               <a:rPr lang="en-US" smtClean="0"/>
-              <a:t>1/17/2022</a:t>
+              <a:t>10/25/2023</a:t>
             </a:fld>
             <a:endParaRPr lang="en-US"/>
           </a:p>
@@ -414,7 +415,7 @@
           <a:p>
             <a:fld id="{3B1DD487-E9A5-4BD0-B6C1-1043E79918C3}" type="datetimeFigureOut">
               <a:rPr lang="en-US" smtClean="0"/>
-              <a:t>1/17/2022</a:t>
+              <a:t>10/25/2023</a:t>
             </a:fld>
             <a:endParaRPr lang="en-US"/>
           </a:p>
@@ -594,7 +595,7 @@
           <a:p>
             <a:fld id="{3B1DD487-E9A5-4BD0-B6C1-1043E79918C3}" type="datetimeFigureOut">
               <a:rPr lang="en-US" smtClean="0"/>
-              <a:t>1/17/2022</a:t>
+              <a:t>10/25/2023</a:t>
             </a:fld>
             <a:endParaRPr lang="en-US"/>
           </a:p>
@@ -764,7 +765,7 @@
           <a:p>
             <a:fld id="{3B1DD487-E9A5-4BD0-B6C1-1043E79918C3}" type="datetimeFigureOut">
               <a:rPr lang="en-US" smtClean="0"/>
-              <a:t>1/17/2022</a:t>
+              <a:t>10/25/2023</a:t>
             </a:fld>
             <a:endParaRPr lang="en-US"/>
           </a:p>
@@ -1010,7 +1011,7 @@
           <a:p>
             <a:fld id="{3B1DD487-E9A5-4BD0-B6C1-1043E79918C3}" type="datetimeFigureOut">
               <a:rPr lang="en-US" smtClean="0"/>
-              <a:t>1/17/2022</a:t>
+              <a:t>10/25/2023</a:t>
             </a:fld>
             <a:endParaRPr lang="en-US"/>
           </a:p>
@@ -1242,7 +1243,7 @@
           <a:p>
             <a:fld id="{3B1DD487-E9A5-4BD0-B6C1-1043E79918C3}" type="datetimeFigureOut">
               <a:rPr lang="en-US" smtClean="0"/>
-              <a:t>1/17/2022</a:t>
+              <a:t>10/25/2023</a:t>
             </a:fld>
             <a:endParaRPr lang="en-US"/>
           </a:p>
@@ -1609,7 +1610,7 @@
           <a:p>
             <a:fld id="{3B1DD487-E9A5-4BD0-B6C1-1043E79918C3}" type="datetimeFigureOut">
               <a:rPr lang="en-US" smtClean="0"/>
-              <a:t>1/17/2022</a:t>
+              <a:t>10/25/2023</a:t>
             </a:fld>
             <a:endParaRPr lang="en-US"/>
           </a:p>
@@ -1727,7 +1728,7 @@
           <a:p>
             <a:fld id="{3B1DD487-E9A5-4BD0-B6C1-1043E79918C3}" type="datetimeFigureOut">
               <a:rPr lang="en-US" smtClean="0"/>
-              <a:t>1/17/2022</a:t>
+              <a:t>10/25/2023</a:t>
             </a:fld>
             <a:endParaRPr lang="en-US"/>
           </a:p>
@@ -1822,7 +1823,7 @@
           <a:p>
             <a:fld id="{3B1DD487-E9A5-4BD0-B6C1-1043E79918C3}" type="datetimeFigureOut">
               <a:rPr lang="en-US" smtClean="0"/>
-              <a:t>1/17/2022</a:t>
+              <a:t>10/25/2023</a:t>
             </a:fld>
             <a:endParaRPr lang="en-US"/>
           </a:p>
@@ -2099,7 +2100,7 @@
           <a:p>
             <a:fld id="{3B1DD487-E9A5-4BD0-B6C1-1043E79918C3}" type="datetimeFigureOut">
               <a:rPr lang="en-US" smtClean="0"/>
-              <a:t>1/17/2022</a:t>
+              <a:t>10/25/2023</a:t>
             </a:fld>
             <a:endParaRPr lang="en-US"/>
           </a:p>
@@ -2356,7 +2357,7 @@
           <a:p>
             <a:fld id="{3B1DD487-E9A5-4BD0-B6C1-1043E79918C3}" type="datetimeFigureOut">
               <a:rPr lang="en-US" smtClean="0"/>
-              <a:t>1/17/2022</a:t>
+              <a:t>10/25/2023</a:t>
             </a:fld>
             <a:endParaRPr lang="en-US"/>
           </a:p>
@@ -2569,7 +2570,7 @@
           <a:p>
             <a:fld id="{3B1DD487-E9A5-4BD0-B6C1-1043E79918C3}" type="datetimeFigureOut">
               <a:rPr lang="en-US" smtClean="0"/>
-              <a:t>1/17/2022</a:t>
+              <a:t>10/25/2023</a:t>
             </a:fld>
             <a:endParaRPr lang="en-US"/>
           </a:p>
@@ -7240,6 +7241,1524 @@
 </p:sld>
 </file>
 
+<file path=ppt/slides/slide3.xml><?xml version="1.0" encoding="utf-8"?>
+<p:sld xmlns:a="http://schemas.openxmlformats.org/drawingml/2006/main" xmlns:r="http://schemas.openxmlformats.org/officeDocument/2006/relationships" xmlns:p="http://schemas.openxmlformats.org/presentationml/2006/main">
+  <p:cSld>
+    <p:spTree>
+      <p:nvGrpSpPr>
+        <p:cNvPr id="1" name=""/>
+        <p:cNvGrpSpPr/>
+        <p:nvPr/>
+      </p:nvGrpSpPr>
+      <p:grpSpPr>
+        <a:xfrm>
+          <a:off x="0" y="0"/>
+          <a:ext cx="0" cy="0"/>
+          <a:chOff x="0" y="0"/>
+          <a:chExt cx="0" cy="0"/>
+        </a:xfrm>
+      </p:grpSpPr>
+      <p:sp>
+        <p:nvSpPr>
+          <p:cNvPr id="2" name="Title 1">
+            <a:extLst>
+              <a:ext uri="{FF2B5EF4-FFF2-40B4-BE49-F238E27FC236}">
+                <a16:creationId xmlns:a16="http://schemas.microsoft.com/office/drawing/2014/main" id="{8B104E18-A11C-8F48-85DD-478A6381143B}"/>
+              </a:ext>
+            </a:extLst>
+          </p:cNvPr>
+          <p:cNvSpPr>
+            <a:spLocks noGrp="1"/>
+          </p:cNvSpPr>
+          <p:nvPr>
+            <p:ph type="title"/>
+          </p:nvPr>
+        </p:nvSpPr>
+        <p:spPr/>
+        <p:txBody>
+          <a:bodyPr/>
+          <a:lstStyle/>
+          <a:p>
+            <a:endParaRPr lang="en-US"/>
+          </a:p>
+        </p:txBody>
+      </p:sp>
+      <p:sp>
+        <p:nvSpPr>
+          <p:cNvPr id="3" name="Content Placeholder 2">
+            <a:extLst>
+              <a:ext uri="{FF2B5EF4-FFF2-40B4-BE49-F238E27FC236}">
+                <a16:creationId xmlns:a16="http://schemas.microsoft.com/office/drawing/2014/main" id="{3E8DDCF6-EB13-651B-D0D1-27D3035BA510}"/>
+              </a:ext>
+            </a:extLst>
+          </p:cNvPr>
+          <p:cNvSpPr>
+            <a:spLocks noGrp="1"/>
+          </p:cNvSpPr>
+          <p:nvPr>
+            <p:ph idx="1"/>
+          </p:nvPr>
+        </p:nvSpPr>
+        <p:spPr/>
+        <p:txBody>
+          <a:bodyPr/>
+          <a:lstStyle/>
+          <a:p>
+            <a:endParaRPr lang="en-US"/>
+          </a:p>
+        </p:txBody>
+      </p:sp>
+      <p:grpSp>
+        <p:nvGrpSpPr>
+          <p:cNvPr id="4" name="Group 3">
+            <a:extLst>
+              <a:ext uri="{FF2B5EF4-FFF2-40B4-BE49-F238E27FC236}">
+                <a16:creationId xmlns:a16="http://schemas.microsoft.com/office/drawing/2014/main" id="{005A17E7-5D05-0D88-1167-6EC018B9F05F}"/>
+              </a:ext>
+            </a:extLst>
+          </p:cNvPr>
+          <p:cNvGrpSpPr>
+            <a:grpSpLocks/>
+          </p:cNvGrpSpPr>
+          <p:nvPr/>
+        </p:nvGrpSpPr>
+        <p:grpSpPr>
+          <a:xfrm>
+            <a:off x="1195756" y="1672614"/>
+            <a:ext cx="8513118" cy="1774770"/>
+            <a:chOff x="2026336" y="1460336"/>
+            <a:chExt cx="8513118" cy="1774770"/>
+          </a:xfrm>
+        </p:grpSpPr>
+        <p:cxnSp>
+          <p:nvCxnSpPr>
+            <p:cNvPr id="5" name="Straight Arrow Connector 4">
+              <a:extLst>
+                <a:ext uri="{FF2B5EF4-FFF2-40B4-BE49-F238E27FC236}">
+                  <a16:creationId xmlns:a16="http://schemas.microsoft.com/office/drawing/2014/main" id="{FCD18A2C-C511-2A8D-BE04-CA527D48E6A9}"/>
+                </a:ext>
+              </a:extLst>
+            </p:cNvPr>
+            <p:cNvCxnSpPr>
+              <a:cxnSpLocks/>
+              <a:endCxn id="7" idx="2"/>
+            </p:cNvCxnSpPr>
+            <p:nvPr/>
+          </p:nvCxnSpPr>
+          <p:spPr>
+            <a:xfrm flipV="1">
+              <a:off x="2045174" y="2033635"/>
+              <a:ext cx="696721" cy="0"/>
+            </a:xfrm>
+            <a:prstGeom prst="straightConnector1">
+              <a:avLst/>
+            </a:prstGeom>
+            <a:ln w="28575">
+              <a:solidFill>
+                <a:schemeClr val="tx1"/>
+              </a:solidFill>
+              <a:tailEnd type="triangle"/>
+            </a:ln>
+          </p:spPr>
+          <p:style>
+            <a:lnRef idx="1">
+              <a:schemeClr val="accent1"/>
+            </a:lnRef>
+            <a:fillRef idx="0">
+              <a:schemeClr val="accent1"/>
+            </a:fillRef>
+            <a:effectRef idx="0">
+              <a:schemeClr val="accent1"/>
+            </a:effectRef>
+            <a:fontRef idx="minor">
+              <a:schemeClr val="tx1"/>
+            </a:fontRef>
+          </p:style>
+        </p:cxnSp>
+        <p:sp>
+          <p:nvSpPr>
+            <p:cNvPr id="6" name="TextBox 5">
+              <a:extLst>
+                <a:ext uri="{FF2B5EF4-FFF2-40B4-BE49-F238E27FC236}">
+                  <a16:creationId xmlns:a16="http://schemas.microsoft.com/office/drawing/2014/main" id="{3E8F86E5-B361-5B00-1995-306C0C41DF76}"/>
+                </a:ext>
+              </a:extLst>
+            </p:cNvPr>
+            <p:cNvSpPr txBox="1">
+              <a:spLocks/>
+            </p:cNvSpPr>
+            <p:nvPr/>
+          </p:nvSpPr>
+          <p:spPr>
+            <a:xfrm>
+              <a:off x="3501541" y="1848969"/>
+              <a:ext cx="965569" cy="369332"/>
+            </a:xfrm>
+            <a:prstGeom prst="rect">
+              <a:avLst/>
+            </a:prstGeom>
+            <a:noFill/>
+            <a:ln>
+              <a:solidFill>
+                <a:srgbClr val="FF0000"/>
+              </a:solidFill>
+            </a:ln>
+          </p:spPr>
+          <p:txBody>
+            <a:bodyPr wrap="square" rtlCol="0">
+              <a:spAutoFit/>
+            </a:bodyPr>
+            <a:lstStyle/>
+            <a:p>
+              <a:pPr algn="ctr"/>
+              <a:r>
+                <a:rPr lang="en-US" altLang="zh-CN" dirty="0">
+                  <a:solidFill>
+                    <a:srgbClr val="FF0000"/>
+                  </a:solidFill>
+                </a:rPr>
+                <a:t>INA</a:t>
+              </a:r>
+              <a:r>
+                <a:rPr lang="en-US" dirty="0">
+                  <a:solidFill>
+                    <a:srgbClr val="FF0000"/>
+                  </a:solidFill>
+                </a:rPr>
+                <a:t>SMC</a:t>
+              </a:r>
+            </a:p>
+          </p:txBody>
+        </p:sp>
+        <p:sp>
+          <p:nvSpPr>
+            <p:cNvPr id="7" name="Oval 6">
+              <a:extLst>
+                <a:ext uri="{FF2B5EF4-FFF2-40B4-BE49-F238E27FC236}">
+                  <a16:creationId xmlns:a16="http://schemas.microsoft.com/office/drawing/2014/main" id="{2E216D5B-AF1C-982F-114B-9062C97FDE56}"/>
+                </a:ext>
+              </a:extLst>
+            </p:cNvPr>
+            <p:cNvSpPr>
+              <a:spLocks/>
+            </p:cNvSpPr>
+            <p:nvPr/>
+          </p:nvSpPr>
+          <p:spPr>
+            <a:xfrm>
+              <a:off x="2741895" y="1896475"/>
+              <a:ext cx="274320" cy="274320"/>
+            </a:xfrm>
+            <a:prstGeom prst="ellipse">
+              <a:avLst/>
+            </a:prstGeom>
+            <a:noFill/>
+            <a:ln>
+              <a:solidFill>
+                <a:schemeClr val="tx1"/>
+              </a:solidFill>
+            </a:ln>
+          </p:spPr>
+          <p:style>
+            <a:lnRef idx="2">
+              <a:schemeClr val="accent1">
+                <a:shade val="50000"/>
+              </a:schemeClr>
+            </a:lnRef>
+            <a:fillRef idx="1">
+              <a:schemeClr val="accent1"/>
+            </a:fillRef>
+            <a:effectRef idx="0">
+              <a:schemeClr val="accent1"/>
+            </a:effectRef>
+            <a:fontRef idx="minor">
+              <a:schemeClr val="lt1"/>
+            </a:fontRef>
+          </p:style>
+          <p:txBody>
+            <a:bodyPr rtlCol="0" anchor="ctr"/>
+            <a:lstStyle/>
+            <a:p>
+              <a:pPr algn="ctr"/>
+              <a:endParaRPr lang="en-US"/>
+            </a:p>
+          </p:txBody>
+        </p:sp>
+        <p:sp>
+          <p:nvSpPr>
+            <p:cNvPr id="8" name="TextBox 7">
+              <a:extLst>
+                <a:ext uri="{FF2B5EF4-FFF2-40B4-BE49-F238E27FC236}">
+                  <a16:creationId xmlns:a16="http://schemas.microsoft.com/office/drawing/2014/main" id="{D7D443B8-2E1B-E160-74DB-1513F54FB704}"/>
+                </a:ext>
+              </a:extLst>
+            </p:cNvPr>
+            <p:cNvSpPr txBox="1">
+              <a:spLocks/>
+            </p:cNvSpPr>
+            <p:nvPr/>
+          </p:nvSpPr>
+          <p:spPr>
+            <a:xfrm>
+              <a:off x="6791409" y="1710470"/>
+              <a:ext cx="1136521" cy="646331"/>
+            </a:xfrm>
+            <a:prstGeom prst="rect">
+              <a:avLst/>
+            </a:prstGeom>
+            <a:noFill/>
+            <a:ln>
+              <a:solidFill>
+                <a:schemeClr val="tx1"/>
+              </a:solidFill>
+            </a:ln>
+          </p:spPr>
+          <p:txBody>
+            <a:bodyPr wrap="square" rtlCol="0">
+              <a:spAutoFit/>
+            </a:bodyPr>
+            <a:lstStyle/>
+            <a:p>
+              <a:pPr algn="ctr"/>
+              <a:r>
+                <a:rPr lang="en-US" dirty="0"/>
+                <a:t>Pressure Controller</a:t>
+              </a:r>
+            </a:p>
+          </p:txBody>
+        </p:sp>
+        <p:sp>
+          <p:nvSpPr>
+            <p:cNvPr id="9" name="TextBox 8">
+              <a:extLst>
+                <a:ext uri="{FF2B5EF4-FFF2-40B4-BE49-F238E27FC236}">
+                  <a16:creationId xmlns:a16="http://schemas.microsoft.com/office/drawing/2014/main" id="{9EC03FC2-B158-5DA8-6271-A072817D89EB}"/>
+                </a:ext>
+              </a:extLst>
+            </p:cNvPr>
+            <p:cNvSpPr txBox="1">
+              <a:spLocks/>
+            </p:cNvSpPr>
+            <p:nvPr/>
+          </p:nvSpPr>
+          <p:spPr>
+            <a:xfrm>
+              <a:off x="8470752" y="1710470"/>
+              <a:ext cx="1234250" cy="646331"/>
+            </a:xfrm>
+            <a:prstGeom prst="rect">
+              <a:avLst/>
+            </a:prstGeom>
+            <a:noFill/>
+            <a:ln>
+              <a:solidFill>
+                <a:schemeClr val="tx1"/>
+              </a:solidFill>
+            </a:ln>
+          </p:spPr>
+          <p:txBody>
+            <a:bodyPr wrap="square" rtlCol="0">
+              <a:spAutoFit/>
+            </a:bodyPr>
+            <a:lstStyle/>
+            <a:p>
+              <a:pPr algn="ctr"/>
+              <a:r>
+                <a:rPr lang="en-US" dirty="0"/>
+                <a:t>2-Segment</a:t>
+              </a:r>
+            </a:p>
+            <a:p>
+              <a:pPr algn="ctr"/>
+              <a:r>
+                <a:rPr lang="en-US" dirty="0"/>
+                <a:t>Soft Arm</a:t>
+              </a:r>
+            </a:p>
+          </p:txBody>
+        </p:sp>
+        <p:cxnSp>
+          <p:nvCxnSpPr>
+            <p:cNvPr id="10" name="Straight Arrow Connector 9">
+              <a:extLst>
+                <a:ext uri="{FF2B5EF4-FFF2-40B4-BE49-F238E27FC236}">
+                  <a16:creationId xmlns:a16="http://schemas.microsoft.com/office/drawing/2014/main" id="{EE402C14-FA22-C0FC-21B3-6F2887E9AF45}"/>
+                </a:ext>
+              </a:extLst>
+            </p:cNvPr>
+            <p:cNvCxnSpPr>
+              <a:cxnSpLocks/>
+              <a:stCxn id="26" idx="3"/>
+              <a:endCxn id="8" idx="1"/>
+            </p:cNvCxnSpPr>
+            <p:nvPr/>
+          </p:nvCxnSpPr>
+          <p:spPr>
+            <a:xfrm>
+              <a:off x="6410225" y="2033636"/>
+              <a:ext cx="381184" cy="0"/>
+            </a:xfrm>
+            <a:prstGeom prst="straightConnector1">
+              <a:avLst/>
+            </a:prstGeom>
+            <a:ln w="28575">
+              <a:solidFill>
+                <a:schemeClr val="tx1"/>
+              </a:solidFill>
+              <a:tailEnd type="triangle"/>
+            </a:ln>
+          </p:spPr>
+          <p:style>
+            <a:lnRef idx="1">
+              <a:schemeClr val="accent1"/>
+            </a:lnRef>
+            <a:fillRef idx="0">
+              <a:schemeClr val="accent1"/>
+            </a:fillRef>
+            <a:effectRef idx="0">
+              <a:schemeClr val="accent1"/>
+            </a:effectRef>
+            <a:fontRef idx="minor">
+              <a:schemeClr val="tx1"/>
+            </a:fontRef>
+          </p:style>
+        </p:cxnSp>
+        <p:cxnSp>
+          <p:nvCxnSpPr>
+            <p:cNvPr id="11" name="Straight Arrow Connector 10">
+              <a:extLst>
+                <a:ext uri="{FF2B5EF4-FFF2-40B4-BE49-F238E27FC236}">
+                  <a16:creationId xmlns:a16="http://schemas.microsoft.com/office/drawing/2014/main" id="{1595793E-F878-8B82-7340-323D9314AFE7}"/>
+                </a:ext>
+              </a:extLst>
+            </p:cNvPr>
+            <p:cNvCxnSpPr>
+              <a:cxnSpLocks/>
+              <a:stCxn id="8" idx="3"/>
+              <a:endCxn id="9" idx="1"/>
+            </p:cNvCxnSpPr>
+            <p:nvPr/>
+          </p:nvCxnSpPr>
+          <p:spPr>
+            <a:xfrm>
+              <a:off x="7927930" y="2033636"/>
+              <a:ext cx="542822" cy="0"/>
+            </a:xfrm>
+            <a:prstGeom prst="straightConnector1">
+              <a:avLst/>
+            </a:prstGeom>
+            <a:ln w="28575">
+              <a:solidFill>
+                <a:schemeClr val="tx1"/>
+              </a:solidFill>
+              <a:tailEnd type="triangle"/>
+            </a:ln>
+          </p:spPr>
+          <p:style>
+            <a:lnRef idx="1">
+              <a:schemeClr val="accent1"/>
+            </a:lnRef>
+            <a:fillRef idx="0">
+              <a:schemeClr val="accent1"/>
+            </a:fillRef>
+            <a:effectRef idx="0">
+              <a:schemeClr val="accent1"/>
+            </a:effectRef>
+            <a:fontRef idx="minor">
+              <a:schemeClr val="tx1"/>
+            </a:fontRef>
+          </p:style>
+        </p:cxnSp>
+        <p:cxnSp>
+          <p:nvCxnSpPr>
+            <p:cNvPr id="12" name="Straight Arrow Connector 11">
+              <a:extLst>
+                <a:ext uri="{FF2B5EF4-FFF2-40B4-BE49-F238E27FC236}">
+                  <a16:creationId xmlns:a16="http://schemas.microsoft.com/office/drawing/2014/main" id="{56B5534B-A352-112E-F990-8E83C5FBAB3F}"/>
+                </a:ext>
+              </a:extLst>
+            </p:cNvPr>
+            <p:cNvCxnSpPr>
+              <a:cxnSpLocks/>
+            </p:cNvCxnSpPr>
+            <p:nvPr/>
+          </p:nvCxnSpPr>
+          <p:spPr>
+            <a:xfrm flipV="1">
+              <a:off x="9705002" y="2000666"/>
+              <a:ext cx="834452" cy="0"/>
+            </a:xfrm>
+            <a:prstGeom prst="straightConnector1">
+              <a:avLst/>
+            </a:prstGeom>
+            <a:ln w="28575">
+              <a:solidFill>
+                <a:schemeClr val="tx1"/>
+              </a:solidFill>
+              <a:tailEnd type="triangle"/>
+            </a:ln>
+          </p:spPr>
+          <p:style>
+            <a:lnRef idx="1">
+              <a:schemeClr val="accent1"/>
+            </a:lnRef>
+            <a:fillRef idx="0">
+              <a:schemeClr val="accent1"/>
+            </a:fillRef>
+            <a:effectRef idx="0">
+              <a:schemeClr val="accent1"/>
+            </a:effectRef>
+            <a:fontRef idx="minor">
+              <a:schemeClr val="tx1"/>
+            </a:fontRef>
+          </p:style>
+        </p:cxnSp>
+        <p:pic>
+          <p:nvPicPr>
+            <p:cNvPr id="13" name="Picture 12" descr="\documentclass{article}&#10;\usepackage{amsmath}&#10;\pagestyle{empty}&#10;\begin{document}&#10;\begin{align}&#10;q_d,\dot{q}_d\nonumber&#10;\end{align}&#10;\end{document}" title="IguanaTex Bitmap Display">
+              <a:extLst>
+                <a:ext uri="{FF2B5EF4-FFF2-40B4-BE49-F238E27FC236}">
+                  <a16:creationId xmlns:a16="http://schemas.microsoft.com/office/drawing/2014/main" id="{D6AC53FE-A2A2-EAC5-B727-B20E82DAD729}"/>
+                </a:ext>
+              </a:extLst>
+            </p:cNvPr>
+            <p:cNvPicPr>
+              <a:picLocks noChangeAspect="1"/>
+            </p:cNvPicPr>
+            <p:nvPr>
+              <p:custDataLst>
+                <p:tags r:id="rId1"/>
+              </p:custDataLst>
+            </p:nvPr>
+          </p:nvPicPr>
+          <p:blipFill>
+            <a:blip r:embed="rId7">
+              <a:extLst>
+                <a:ext uri="{28A0092B-C50C-407E-A947-70E740481C1C}">
+                  <a14:useLocalDpi xmlns:a14="http://schemas.microsoft.com/office/drawing/2010/main" val="0"/>
+                </a:ext>
+              </a:extLst>
+            </a:blip>
+            <a:stretch>
+              <a:fillRect/>
+            </a:stretch>
+          </p:blipFill>
+          <p:spPr>
+            <a:xfrm>
+              <a:off x="2026336" y="1747483"/>
+              <a:ext cx="504685" cy="202971"/>
+            </a:xfrm>
+            <a:prstGeom prst="rect">
+              <a:avLst/>
+            </a:prstGeom>
+          </p:spPr>
+        </p:pic>
+        <p:cxnSp>
+          <p:nvCxnSpPr>
+            <p:cNvPr id="14" name="Straight Connector 13">
+              <a:extLst>
+                <a:ext uri="{FF2B5EF4-FFF2-40B4-BE49-F238E27FC236}">
+                  <a16:creationId xmlns:a16="http://schemas.microsoft.com/office/drawing/2014/main" id="{9F23A352-8B17-AA77-3C92-ACC9AE40D505}"/>
+                </a:ext>
+              </a:extLst>
+            </p:cNvPr>
+            <p:cNvCxnSpPr>
+              <a:cxnSpLocks/>
+            </p:cNvCxnSpPr>
+            <p:nvPr/>
+          </p:nvCxnSpPr>
+          <p:spPr>
+            <a:xfrm flipH="1" flipV="1">
+              <a:off x="2867543" y="3213148"/>
+              <a:ext cx="7060660" cy="0"/>
+            </a:xfrm>
+            <a:prstGeom prst="line">
+              <a:avLst/>
+            </a:prstGeom>
+            <a:ln w="28575"/>
+          </p:spPr>
+          <p:style>
+            <a:lnRef idx="1">
+              <a:schemeClr val="dk1"/>
+            </a:lnRef>
+            <a:fillRef idx="0">
+              <a:schemeClr val="dk1"/>
+            </a:fillRef>
+            <a:effectRef idx="0">
+              <a:schemeClr val="dk1"/>
+            </a:effectRef>
+            <a:fontRef idx="minor">
+              <a:schemeClr val="tx1"/>
+            </a:fontRef>
+          </p:style>
+        </p:cxnSp>
+        <p:cxnSp>
+          <p:nvCxnSpPr>
+            <p:cNvPr id="15" name="Straight Arrow Connector 14">
+              <a:extLst>
+                <a:ext uri="{FF2B5EF4-FFF2-40B4-BE49-F238E27FC236}">
+                  <a16:creationId xmlns:a16="http://schemas.microsoft.com/office/drawing/2014/main" id="{F86C7560-9388-ECF7-E512-CA9ABBF8329F}"/>
+                </a:ext>
+              </a:extLst>
+            </p:cNvPr>
+            <p:cNvCxnSpPr>
+              <a:cxnSpLocks/>
+              <a:endCxn id="7" idx="4"/>
+            </p:cNvCxnSpPr>
+            <p:nvPr/>
+          </p:nvCxnSpPr>
+          <p:spPr>
+            <a:xfrm flipV="1">
+              <a:off x="2877920" y="2170795"/>
+              <a:ext cx="1135" cy="1021747"/>
+            </a:xfrm>
+            <a:prstGeom prst="straightConnector1">
+              <a:avLst/>
+            </a:prstGeom>
+            <a:ln w="28575">
+              <a:solidFill>
+                <a:schemeClr val="tx1"/>
+              </a:solidFill>
+              <a:tailEnd type="triangle"/>
+            </a:ln>
+          </p:spPr>
+          <p:style>
+            <a:lnRef idx="1">
+              <a:schemeClr val="accent1"/>
+            </a:lnRef>
+            <a:fillRef idx="0">
+              <a:schemeClr val="accent1"/>
+            </a:fillRef>
+            <a:effectRef idx="0">
+              <a:schemeClr val="accent1"/>
+            </a:effectRef>
+            <a:fontRef idx="minor">
+              <a:schemeClr val="tx1"/>
+            </a:fontRef>
+          </p:style>
+        </p:cxnSp>
+        <p:cxnSp>
+          <p:nvCxnSpPr>
+            <p:cNvPr id="16" name="Straight Connector 15">
+              <a:extLst>
+                <a:ext uri="{FF2B5EF4-FFF2-40B4-BE49-F238E27FC236}">
+                  <a16:creationId xmlns:a16="http://schemas.microsoft.com/office/drawing/2014/main" id="{8FABFCE2-343A-6200-023D-4611837B9D72}"/>
+                </a:ext>
+              </a:extLst>
+            </p:cNvPr>
+            <p:cNvCxnSpPr>
+              <a:cxnSpLocks/>
+            </p:cNvCxnSpPr>
+            <p:nvPr/>
+          </p:nvCxnSpPr>
+          <p:spPr>
+            <a:xfrm flipV="1">
+              <a:off x="9928203" y="2000666"/>
+              <a:ext cx="0" cy="1234440"/>
+            </a:xfrm>
+            <a:prstGeom prst="line">
+              <a:avLst/>
+            </a:prstGeom>
+            <a:ln w="28575"/>
+          </p:spPr>
+          <p:style>
+            <a:lnRef idx="1">
+              <a:schemeClr val="dk1"/>
+            </a:lnRef>
+            <a:fillRef idx="0">
+              <a:schemeClr val="dk1"/>
+            </a:fillRef>
+            <a:effectRef idx="0">
+              <a:schemeClr val="dk1"/>
+            </a:effectRef>
+            <a:fontRef idx="minor">
+              <a:schemeClr val="tx1"/>
+            </a:fontRef>
+          </p:style>
+        </p:cxnSp>
+        <p:sp>
+          <p:nvSpPr>
+            <p:cNvPr id="17" name="TextBox 16">
+              <a:extLst>
+                <a:ext uri="{FF2B5EF4-FFF2-40B4-BE49-F238E27FC236}">
+                  <a16:creationId xmlns:a16="http://schemas.microsoft.com/office/drawing/2014/main" id="{3A4662A0-1E39-C1E3-536F-55BBCC2907EE}"/>
+                </a:ext>
+              </a:extLst>
+            </p:cNvPr>
+            <p:cNvSpPr txBox="1">
+              <a:spLocks/>
+            </p:cNvSpPr>
+            <p:nvPr/>
+          </p:nvSpPr>
+          <p:spPr>
+            <a:xfrm>
+              <a:off x="3449080" y="2659151"/>
+              <a:ext cx="1110729" cy="369332"/>
+            </a:xfrm>
+            <a:prstGeom prst="rect">
+              <a:avLst/>
+            </a:prstGeom>
+            <a:ln>
+              <a:solidFill>
+                <a:srgbClr val="2D0AFE"/>
+              </a:solidFill>
+            </a:ln>
+          </p:spPr>
+          <p:style>
+            <a:lnRef idx="2">
+              <a:schemeClr val="accent1"/>
+            </a:lnRef>
+            <a:fillRef idx="1">
+              <a:schemeClr val="lt1"/>
+            </a:fillRef>
+            <a:effectRef idx="0">
+              <a:schemeClr val="accent1"/>
+            </a:effectRef>
+            <a:fontRef idx="minor">
+              <a:schemeClr val="dk1"/>
+            </a:fontRef>
+          </p:style>
+          <p:txBody>
+            <a:bodyPr wrap="square" rtlCol="0">
+              <a:spAutoFit/>
+            </a:bodyPr>
+            <a:lstStyle/>
+            <a:p>
+              <a:pPr algn="ctr"/>
+              <a:r>
+                <a:rPr lang="en-US" dirty="0">
+                  <a:solidFill>
+                    <a:srgbClr val="2D0AFE"/>
+                  </a:solidFill>
+                </a:rPr>
+                <a:t>INDOB</a:t>
+              </a:r>
+            </a:p>
+          </p:txBody>
+        </p:sp>
+        <p:cxnSp>
+          <p:nvCxnSpPr>
+            <p:cNvPr id="18" name="Straight Arrow Connector 17">
+              <a:extLst>
+                <a:ext uri="{FF2B5EF4-FFF2-40B4-BE49-F238E27FC236}">
+                  <a16:creationId xmlns:a16="http://schemas.microsoft.com/office/drawing/2014/main" id="{F9657357-8BD9-CC3E-0297-2C4803795093}"/>
+                </a:ext>
+              </a:extLst>
+            </p:cNvPr>
+            <p:cNvCxnSpPr>
+              <a:cxnSpLocks/>
+            </p:cNvCxnSpPr>
+            <p:nvPr/>
+          </p:nvCxnSpPr>
+          <p:spPr>
+            <a:xfrm flipH="1">
+              <a:off x="4559809" y="2951629"/>
+              <a:ext cx="5368394" cy="0"/>
+            </a:xfrm>
+            <a:prstGeom prst="straightConnector1">
+              <a:avLst/>
+            </a:prstGeom>
+            <a:ln w="28575">
+              <a:solidFill>
+                <a:srgbClr val="2D0AFE"/>
+              </a:solidFill>
+              <a:tailEnd type="triangle"/>
+            </a:ln>
+          </p:spPr>
+          <p:style>
+            <a:lnRef idx="1">
+              <a:schemeClr val="accent1"/>
+            </a:lnRef>
+            <a:fillRef idx="0">
+              <a:schemeClr val="accent1"/>
+            </a:fillRef>
+            <a:effectRef idx="0">
+              <a:schemeClr val="accent1"/>
+            </a:effectRef>
+            <a:fontRef idx="minor">
+              <a:schemeClr val="tx1"/>
+            </a:fontRef>
+          </p:style>
+        </p:cxnSp>
+        <p:pic>
+          <p:nvPicPr>
+            <p:cNvPr id="19" name="Picture 18" descr="\documentclass{article}&#10;\usepackage{amsmath}&#10;\pagestyle{empty}&#10;\begin{document}&#10;\begin{align}&#10;p_d\nonumber&#10;\end{align}&#10;\end{document}" title="IguanaTex Bitmap Display">
+              <a:extLst>
+                <a:ext uri="{FF2B5EF4-FFF2-40B4-BE49-F238E27FC236}">
+                  <a16:creationId xmlns:a16="http://schemas.microsoft.com/office/drawing/2014/main" id="{F39C1680-3D26-13AB-65E6-D9CA75F0DF11}"/>
+                </a:ext>
+              </a:extLst>
+            </p:cNvPr>
+            <p:cNvPicPr>
+              <a:picLocks noChangeAspect="1"/>
+            </p:cNvPicPr>
+            <p:nvPr>
+              <p:custDataLst>
+                <p:tags r:id="rId2"/>
+              </p:custDataLst>
+            </p:nvPr>
+          </p:nvPicPr>
+          <p:blipFill>
+            <a:blip r:embed="rId8">
+              <a:extLst>
+                <a:ext uri="{28A0092B-C50C-407E-A947-70E740481C1C}">
+                  <a14:useLocalDpi xmlns:a14="http://schemas.microsoft.com/office/drawing/2010/main" val="0"/>
+                </a:ext>
+              </a:extLst>
+            </a:blip>
+            <a:stretch>
+              <a:fillRect/>
+            </a:stretch>
+          </p:blipFill>
+          <p:spPr>
+            <a:xfrm>
+              <a:off x="6491684" y="1842920"/>
+              <a:ext cx="219428" cy="142629"/>
+            </a:xfrm>
+            <a:prstGeom prst="rect">
+              <a:avLst/>
+            </a:prstGeom>
+          </p:spPr>
+        </p:pic>
+        <p:pic>
+          <p:nvPicPr>
+            <p:cNvPr id="20" name="Picture 19" descr="\documentclass{article}&#10;\usepackage{amsmath}&#10;\pagestyle{empty}&#10;\begin{document}&#10;\begin{align}&#10;p_m\nonumber&#10;\end{align}&#10;\end{document}" title="IguanaTex Bitmap Display">
+              <a:extLst>
+                <a:ext uri="{FF2B5EF4-FFF2-40B4-BE49-F238E27FC236}">
+                  <a16:creationId xmlns:a16="http://schemas.microsoft.com/office/drawing/2014/main" id="{CF402BBD-DB7A-BC68-FCD9-2C756E9C5379}"/>
+                </a:ext>
+              </a:extLst>
+            </p:cNvPr>
+            <p:cNvPicPr>
+              <a:picLocks noChangeAspect="1"/>
+            </p:cNvPicPr>
+            <p:nvPr>
+              <p:custDataLst>
+                <p:tags r:id="rId3"/>
+              </p:custDataLst>
+            </p:nvPr>
+          </p:nvPicPr>
+          <p:blipFill>
+            <a:blip r:embed="rId9">
+              <a:extLst>
+                <a:ext uri="{28A0092B-C50C-407E-A947-70E740481C1C}">
+                  <a14:useLocalDpi xmlns:a14="http://schemas.microsoft.com/office/drawing/2010/main" val="0"/>
+                </a:ext>
+              </a:extLst>
+            </a:blip>
+            <a:stretch>
+              <a:fillRect/>
+            </a:stretch>
+          </p:blipFill>
+          <p:spPr>
+            <a:xfrm>
+              <a:off x="7986971" y="1825160"/>
+              <a:ext cx="285257" cy="142629"/>
+            </a:xfrm>
+            <a:prstGeom prst="rect">
+              <a:avLst/>
+            </a:prstGeom>
+          </p:spPr>
+        </p:pic>
+        <p:cxnSp>
+          <p:nvCxnSpPr>
+            <p:cNvPr id="21" name="Straight Arrow Connector 20">
+              <a:extLst>
+                <a:ext uri="{FF2B5EF4-FFF2-40B4-BE49-F238E27FC236}">
+                  <a16:creationId xmlns:a16="http://schemas.microsoft.com/office/drawing/2014/main" id="{A299AA5D-DA7A-162F-5470-DE38E5C03176}"/>
+                </a:ext>
+              </a:extLst>
+            </p:cNvPr>
+            <p:cNvCxnSpPr>
+              <a:cxnSpLocks/>
+              <a:stCxn id="7" idx="6"/>
+              <a:endCxn id="6" idx="1"/>
+            </p:cNvCxnSpPr>
+            <p:nvPr/>
+          </p:nvCxnSpPr>
+          <p:spPr>
+            <a:xfrm>
+              <a:off x="3016215" y="2033635"/>
+              <a:ext cx="485326" cy="0"/>
+            </a:xfrm>
+            <a:prstGeom prst="straightConnector1">
+              <a:avLst/>
+            </a:prstGeom>
+            <a:ln w="28575">
+              <a:solidFill>
+                <a:schemeClr val="tx1"/>
+              </a:solidFill>
+              <a:tailEnd type="triangle"/>
+            </a:ln>
+          </p:spPr>
+          <p:style>
+            <a:lnRef idx="1">
+              <a:schemeClr val="accent1"/>
+            </a:lnRef>
+            <a:fillRef idx="0">
+              <a:schemeClr val="accent1"/>
+            </a:fillRef>
+            <a:effectRef idx="0">
+              <a:schemeClr val="accent1"/>
+            </a:effectRef>
+            <a:fontRef idx="minor">
+              <a:schemeClr val="tx1"/>
+            </a:fontRef>
+          </p:style>
+        </p:cxnSp>
+        <p:cxnSp>
+          <p:nvCxnSpPr>
+            <p:cNvPr id="22" name="Straight Arrow Connector 21">
+              <a:extLst>
+                <a:ext uri="{FF2B5EF4-FFF2-40B4-BE49-F238E27FC236}">
+                  <a16:creationId xmlns:a16="http://schemas.microsoft.com/office/drawing/2014/main" id="{7F7F0AF1-EC5F-99C6-3D4E-00ABC8974621}"/>
+                </a:ext>
+              </a:extLst>
+            </p:cNvPr>
+            <p:cNvCxnSpPr>
+              <a:cxnSpLocks/>
+              <a:endCxn id="8" idx="2"/>
+            </p:cNvCxnSpPr>
+            <p:nvPr/>
+          </p:nvCxnSpPr>
+          <p:spPr>
+            <a:xfrm flipV="1">
+              <a:off x="7359668" y="2356801"/>
+              <a:ext cx="2" cy="281843"/>
+            </a:xfrm>
+            <a:prstGeom prst="straightConnector1">
+              <a:avLst/>
+            </a:prstGeom>
+            <a:ln w="28575">
+              <a:solidFill>
+                <a:schemeClr val="tx1"/>
+              </a:solidFill>
+              <a:tailEnd type="triangle"/>
+            </a:ln>
+          </p:spPr>
+          <p:style>
+            <a:lnRef idx="1">
+              <a:schemeClr val="accent1"/>
+            </a:lnRef>
+            <a:fillRef idx="0">
+              <a:schemeClr val="accent1"/>
+            </a:fillRef>
+            <a:effectRef idx="0">
+              <a:schemeClr val="accent1"/>
+            </a:effectRef>
+            <a:fontRef idx="minor">
+              <a:schemeClr val="tx1"/>
+            </a:fontRef>
+          </p:style>
+        </p:cxnSp>
+        <p:cxnSp>
+          <p:nvCxnSpPr>
+            <p:cNvPr id="23" name="Straight Connector 22">
+              <a:extLst>
+                <a:ext uri="{FF2B5EF4-FFF2-40B4-BE49-F238E27FC236}">
+                  <a16:creationId xmlns:a16="http://schemas.microsoft.com/office/drawing/2014/main" id="{B68337CE-1F09-DB56-5547-CFFD9E2858DB}"/>
+                </a:ext>
+              </a:extLst>
+            </p:cNvPr>
+            <p:cNvCxnSpPr>
+              <a:cxnSpLocks/>
+            </p:cNvCxnSpPr>
+            <p:nvPr/>
+          </p:nvCxnSpPr>
+          <p:spPr>
+            <a:xfrm flipV="1">
+              <a:off x="8244036" y="2054006"/>
+              <a:ext cx="0" cy="584638"/>
+            </a:xfrm>
+            <a:prstGeom prst="line">
+              <a:avLst/>
+            </a:prstGeom>
+            <a:ln w="28575"/>
+          </p:spPr>
+          <p:style>
+            <a:lnRef idx="1">
+              <a:schemeClr val="dk1"/>
+            </a:lnRef>
+            <a:fillRef idx="0">
+              <a:schemeClr val="dk1"/>
+            </a:fillRef>
+            <a:effectRef idx="0">
+              <a:schemeClr val="dk1"/>
+            </a:effectRef>
+            <a:fontRef idx="minor">
+              <a:schemeClr val="tx1"/>
+            </a:fontRef>
+          </p:style>
+        </p:cxnSp>
+        <p:cxnSp>
+          <p:nvCxnSpPr>
+            <p:cNvPr id="24" name="Straight Connector 23">
+              <a:extLst>
+                <a:ext uri="{FF2B5EF4-FFF2-40B4-BE49-F238E27FC236}">
+                  <a16:creationId xmlns:a16="http://schemas.microsoft.com/office/drawing/2014/main" id="{8B905D54-23E6-EDF9-DD99-C0C45D12A78D}"/>
+                </a:ext>
+              </a:extLst>
+            </p:cNvPr>
+            <p:cNvCxnSpPr>
+              <a:cxnSpLocks/>
+            </p:cNvCxnSpPr>
+            <p:nvPr/>
+          </p:nvCxnSpPr>
+          <p:spPr>
+            <a:xfrm flipH="1">
+              <a:off x="7359668" y="2638644"/>
+              <a:ext cx="884367" cy="0"/>
+            </a:xfrm>
+            <a:prstGeom prst="line">
+              <a:avLst/>
+            </a:prstGeom>
+            <a:ln w="28575"/>
+          </p:spPr>
+          <p:style>
+            <a:lnRef idx="1">
+              <a:schemeClr val="dk1"/>
+            </a:lnRef>
+            <a:fillRef idx="0">
+              <a:schemeClr val="dk1"/>
+            </a:fillRef>
+            <a:effectRef idx="0">
+              <a:schemeClr val="dk1"/>
+            </a:effectRef>
+            <a:fontRef idx="minor">
+              <a:schemeClr val="tx1"/>
+            </a:fontRef>
+          </p:style>
+        </p:cxnSp>
+        <p:cxnSp>
+          <p:nvCxnSpPr>
+            <p:cNvPr id="25" name="Straight Arrow Connector 24">
+              <a:extLst>
+                <a:ext uri="{FF2B5EF4-FFF2-40B4-BE49-F238E27FC236}">
+                  <a16:creationId xmlns:a16="http://schemas.microsoft.com/office/drawing/2014/main" id="{1FF0F2A2-616E-6538-CF19-3A4E66158B66}"/>
+                </a:ext>
+              </a:extLst>
+            </p:cNvPr>
+            <p:cNvCxnSpPr>
+              <a:cxnSpLocks/>
+              <a:stCxn id="6" idx="3"/>
+              <a:endCxn id="26" idx="1"/>
+            </p:cNvCxnSpPr>
+            <p:nvPr/>
+          </p:nvCxnSpPr>
+          <p:spPr>
+            <a:xfrm>
+              <a:off x="4467110" y="2033635"/>
+              <a:ext cx="516411" cy="1"/>
+            </a:xfrm>
+            <a:prstGeom prst="straightConnector1">
+              <a:avLst/>
+            </a:prstGeom>
+            <a:ln w="28575">
+              <a:solidFill>
+                <a:schemeClr val="tx1"/>
+              </a:solidFill>
+              <a:tailEnd type="triangle"/>
+            </a:ln>
+          </p:spPr>
+          <p:style>
+            <a:lnRef idx="1">
+              <a:schemeClr val="accent1"/>
+            </a:lnRef>
+            <a:fillRef idx="0">
+              <a:schemeClr val="accent1"/>
+            </a:fillRef>
+            <a:effectRef idx="0">
+              <a:schemeClr val="accent1"/>
+            </a:effectRef>
+            <a:fontRef idx="minor">
+              <a:schemeClr val="tx1"/>
+            </a:fontRef>
+          </p:style>
+        </p:cxnSp>
+        <p:sp>
+          <p:nvSpPr>
+            <p:cNvPr id="26" name="TextBox 25">
+              <a:extLst>
+                <a:ext uri="{FF2B5EF4-FFF2-40B4-BE49-F238E27FC236}">
+                  <a16:creationId xmlns:a16="http://schemas.microsoft.com/office/drawing/2014/main" id="{B3AF13A8-86F4-D05A-7E90-A5ABD8B9D255}"/>
+                </a:ext>
+              </a:extLst>
+            </p:cNvPr>
+            <p:cNvSpPr txBox="1">
+              <a:spLocks/>
+            </p:cNvSpPr>
+            <p:nvPr/>
+          </p:nvSpPr>
+          <p:spPr>
+            <a:xfrm>
+              <a:off x="4983521" y="1710470"/>
+              <a:ext cx="1426704" cy="646331"/>
+            </a:xfrm>
+            <a:prstGeom prst="rect">
+              <a:avLst/>
+            </a:prstGeom>
+            <a:noFill/>
+            <a:ln>
+              <a:solidFill>
+                <a:schemeClr val="tx1"/>
+              </a:solidFill>
+            </a:ln>
+          </p:spPr>
+          <p:txBody>
+            <a:bodyPr wrap="square" rtlCol="0">
+              <a:spAutoFit/>
+            </a:bodyPr>
+            <a:lstStyle/>
+            <a:p>
+              <a:pPr algn="ctr"/>
+              <a:r>
+                <a:rPr lang="en-US" dirty="0"/>
+                <a:t>Torque/Force Controller</a:t>
+              </a:r>
+            </a:p>
+          </p:txBody>
+        </p:sp>
+        <p:pic>
+          <p:nvPicPr>
+            <p:cNvPr id="27" name="Picture 26" descr="\documentclass{article}&#10;\usepackage{amsmath}&#10;\pagestyle{empty}&#10;\begin{document}&#10;\begin{align}&#10;\tau/f\nonumber&#10;\end{align}&#10;\end{document}" title="IguanaTex Bitmap Display">
+              <a:extLst>
+                <a:ext uri="{FF2B5EF4-FFF2-40B4-BE49-F238E27FC236}">
+                  <a16:creationId xmlns:a16="http://schemas.microsoft.com/office/drawing/2014/main" id="{39D91166-5C61-3A5C-F379-B22A58A90374}"/>
+                </a:ext>
+              </a:extLst>
+            </p:cNvPr>
+            <p:cNvPicPr>
+              <a:picLocks noChangeAspect="1"/>
+            </p:cNvPicPr>
+            <p:nvPr>
+              <p:custDataLst>
+                <p:tags r:id="rId4"/>
+              </p:custDataLst>
+            </p:nvPr>
+          </p:nvPicPr>
+          <p:blipFill>
+            <a:blip r:embed="rId10">
+              <a:extLst>
+                <a:ext uri="{28A0092B-C50C-407E-A947-70E740481C1C}">
+                  <a14:useLocalDpi xmlns:a14="http://schemas.microsoft.com/office/drawing/2010/main" val="0"/>
+                </a:ext>
+              </a:extLst>
+            </a:blip>
+            <a:stretch>
+              <a:fillRect/>
+            </a:stretch>
+          </p:blipFill>
+          <p:spPr>
+            <a:xfrm>
+              <a:off x="4456470" y="1721851"/>
+              <a:ext cx="362057" cy="224914"/>
+            </a:xfrm>
+            <a:prstGeom prst="rect">
+              <a:avLst/>
+            </a:prstGeom>
+          </p:spPr>
+        </p:pic>
+        <p:pic>
+          <p:nvPicPr>
+            <p:cNvPr id="28" name="Picture 27" descr="\documentclass{article}&#10;\usepackage{amsmath}&#10;\pagestyle{empty}&#10;\begin{document}&#10;\begin{align}&#10;q\nonumber&#10;\end{align}&#10;\end{document}" title="IguanaTex Bitmap Display">
+              <a:extLst>
+                <a:ext uri="{FF2B5EF4-FFF2-40B4-BE49-F238E27FC236}">
+                  <a16:creationId xmlns:a16="http://schemas.microsoft.com/office/drawing/2014/main" id="{275769D6-4823-ABE8-AE1C-E49958E391AA}"/>
+                </a:ext>
+              </a:extLst>
+            </p:cNvPr>
+            <p:cNvPicPr>
+              <a:picLocks noChangeAspect="1"/>
+            </p:cNvPicPr>
+            <p:nvPr>
+              <p:custDataLst>
+                <p:tags r:id="rId5"/>
+              </p:custDataLst>
+            </p:nvPr>
+          </p:nvPicPr>
+          <p:blipFill>
+            <a:blip r:embed="rId11">
+              <a:extLst>
+                <a:ext uri="{28A0092B-C50C-407E-A947-70E740481C1C}">
+                  <a14:useLocalDpi xmlns:a14="http://schemas.microsoft.com/office/drawing/2010/main" val="0"/>
+                </a:ext>
+              </a:extLst>
+            </a:blip>
+            <a:stretch>
+              <a:fillRect/>
+            </a:stretch>
+          </p:blipFill>
+          <p:spPr>
+            <a:xfrm>
+              <a:off x="10051024" y="1796176"/>
+              <a:ext cx="98743" cy="142628"/>
+            </a:xfrm>
+            <a:prstGeom prst="rect">
+              <a:avLst/>
+            </a:prstGeom>
+          </p:spPr>
+        </p:pic>
+        <mc:AlternateContent xmlns:mc="http://schemas.openxmlformats.org/markup-compatibility/2006">
+          <mc:Choice xmlns:a14="http://schemas.microsoft.com/office/drawing/2010/main" Requires="a14">
+            <p:sp>
+              <p:nvSpPr>
+                <p:cNvPr id="29" name="TextBox 28">
+                  <a:extLst>
+                    <a:ext uri="{FF2B5EF4-FFF2-40B4-BE49-F238E27FC236}">
+                      <a16:creationId xmlns:a16="http://schemas.microsoft.com/office/drawing/2014/main" id="{1BA46575-FCF9-4E1B-3D4B-F8D27E1A3E3B}"/>
+                    </a:ext>
+                  </a:extLst>
+                </p:cNvPr>
+                <p:cNvSpPr txBox="1">
+                  <a:spLocks/>
+                </p:cNvSpPr>
+                <p:nvPr/>
+              </p:nvSpPr>
+              <p:spPr>
+                <a:xfrm>
+                  <a:off x="3309162" y="2285520"/>
+                  <a:ext cx="193258" cy="291939"/>
+                </a:xfrm>
+                <a:prstGeom prst="rect">
+                  <a:avLst/>
+                </a:prstGeom>
+                <a:noFill/>
+              </p:spPr>
+              <p:txBody>
+                <a:bodyPr wrap="none" lIns="0" tIns="0" rIns="0" bIns="0" rtlCol="0">
+                  <a:spAutoFit/>
+                </a:bodyPr>
+                <a:lstStyle/>
+                <a:p>
+                  <a14:m>
+                    <m:oMathPara xmlns:m="http://schemas.openxmlformats.org/officeDocument/2006/math">
+                      <m:oMathParaPr>
+                        <m:jc m:val="centerGroup"/>
+                      </m:oMathParaPr>
+                      <m:oMath xmlns:m="http://schemas.openxmlformats.org/officeDocument/2006/math">
+                        <m:acc>
+                          <m:accPr>
+                            <m:chr m:val="̂"/>
+                            <m:ctrlPr>
+                              <a:rPr lang="en-US" i="1" smtClean="0">
+                                <a:solidFill>
+                                  <a:srgbClr val="2D0AFE"/>
+                                </a:solidFill>
+                                <a:latin typeface="Cambria Math" panose="02040503050406030204" pitchFamily="18" charset="0"/>
+                              </a:rPr>
+                            </m:ctrlPr>
+                          </m:accPr>
+                          <m:e>
+                            <m:r>
+                              <a:rPr lang="en-US" b="0" i="1" smtClean="0">
+                                <a:solidFill>
+                                  <a:srgbClr val="2D0AFE"/>
+                                </a:solidFill>
+                                <a:latin typeface="Cambria Math" panose="02040503050406030204" pitchFamily="18" charset="0"/>
+                              </a:rPr>
+                              <m:t>𝑑</m:t>
+                            </m:r>
+                          </m:e>
+                        </m:acc>
+                      </m:oMath>
+                    </m:oMathPara>
+                  </a14:m>
+                  <a:endParaRPr lang="en-US" dirty="0">
+                    <a:solidFill>
+                      <a:srgbClr val="2D0AFE"/>
+                    </a:solidFill>
+                  </a:endParaRPr>
+                </a:p>
+              </p:txBody>
+            </p:sp>
+          </mc:Choice>
+          <mc:Fallback>
+            <p:sp>
+              <p:nvSpPr>
+                <p:cNvPr id="29" name="TextBox 28">
+                  <a:extLst>
+                    <a:ext uri="{FF2B5EF4-FFF2-40B4-BE49-F238E27FC236}">
+                      <a16:creationId xmlns:a16="http://schemas.microsoft.com/office/drawing/2014/main" id="{1BA46575-FCF9-4E1B-3D4B-F8D27E1A3E3B}"/>
+                    </a:ext>
+                  </a:extLst>
+                </p:cNvPr>
+                <p:cNvSpPr txBox="1">
+                  <a:spLocks noRot="1" noChangeAspect="1" noMove="1" noResize="1" noEditPoints="1" noAdjustHandles="1" noChangeArrowheads="1" noChangeShapeType="1" noTextEdit="1"/>
+                </p:cNvSpPr>
+                <p:nvPr/>
+              </p:nvSpPr>
+              <p:spPr>
+                <a:xfrm>
+                  <a:off x="3309162" y="2285520"/>
+                  <a:ext cx="193258" cy="291939"/>
+                </a:xfrm>
+                <a:prstGeom prst="rect">
+                  <a:avLst/>
+                </a:prstGeom>
+                <a:blipFill>
+                  <a:blip r:embed="rId12"/>
+                  <a:stretch>
+                    <a:fillRect l="-32258" t="-22917" r="-87097" b="-6250"/>
+                  </a:stretch>
+                </a:blipFill>
+              </p:spPr>
+              <p:txBody>
+                <a:bodyPr/>
+                <a:lstStyle/>
+                <a:p>
+                  <a:r>
+                    <a:rPr lang="en-US">
+                      <a:noFill/>
+                    </a:rPr>
+                    <a:t> </a:t>
+                  </a:r>
+                </a:p>
+              </p:txBody>
+            </p:sp>
+          </mc:Fallback>
+        </mc:AlternateContent>
+        <p:cxnSp>
+          <p:nvCxnSpPr>
+            <p:cNvPr id="30" name="Connector: Elbow 29">
+              <a:extLst>
+                <a:ext uri="{FF2B5EF4-FFF2-40B4-BE49-F238E27FC236}">
+                  <a16:creationId xmlns:a16="http://schemas.microsoft.com/office/drawing/2014/main" id="{53135BDD-ACAC-E568-7E47-7A8E24BA3529}"/>
+                </a:ext>
+              </a:extLst>
+            </p:cNvPr>
+            <p:cNvCxnSpPr>
+              <a:cxnSpLocks/>
+            </p:cNvCxnSpPr>
+            <p:nvPr/>
+          </p:nvCxnSpPr>
+          <p:spPr>
+            <a:xfrm rot="5400000" flipH="1" flipV="1">
+              <a:off x="3033807" y="2364015"/>
+              <a:ext cx="685800" cy="274320"/>
+            </a:xfrm>
+            <a:prstGeom prst="bentConnector2">
+              <a:avLst/>
+            </a:prstGeom>
+            <a:ln w="28575">
+              <a:solidFill>
+                <a:srgbClr val="2D0AFE"/>
+              </a:solidFill>
+              <a:tailEnd type="triangle"/>
+            </a:ln>
+          </p:spPr>
+          <p:style>
+            <a:lnRef idx="1">
+              <a:schemeClr val="dk1"/>
+            </a:lnRef>
+            <a:fillRef idx="0">
+              <a:schemeClr val="dk1"/>
+            </a:fillRef>
+            <a:effectRef idx="0">
+              <a:schemeClr val="dk1"/>
+            </a:effectRef>
+            <a:fontRef idx="minor">
+              <a:schemeClr val="tx1"/>
+            </a:fontRef>
+          </p:style>
+        </p:cxnSp>
+        <p:cxnSp>
+          <p:nvCxnSpPr>
+            <p:cNvPr id="31" name="Straight Connector 30">
+              <a:extLst>
+                <a:ext uri="{FF2B5EF4-FFF2-40B4-BE49-F238E27FC236}">
+                  <a16:creationId xmlns:a16="http://schemas.microsoft.com/office/drawing/2014/main" id="{3314EF6D-79D1-C329-3C9E-BE8521AD46AB}"/>
+                </a:ext>
+              </a:extLst>
+            </p:cNvPr>
+            <p:cNvCxnSpPr>
+              <a:cxnSpLocks/>
+              <a:stCxn id="17" idx="1"/>
+            </p:cNvCxnSpPr>
+            <p:nvPr/>
+          </p:nvCxnSpPr>
+          <p:spPr>
+            <a:xfrm flipH="1" flipV="1">
+              <a:off x="3231926" y="2838977"/>
+              <a:ext cx="237744" cy="0"/>
+            </a:xfrm>
+            <a:prstGeom prst="line">
+              <a:avLst/>
+            </a:prstGeom>
+            <a:ln w="28575">
+              <a:solidFill>
+                <a:srgbClr val="2D0AFE"/>
+              </a:solidFill>
+            </a:ln>
+          </p:spPr>
+          <p:style>
+            <a:lnRef idx="1">
+              <a:schemeClr val="dk1"/>
+            </a:lnRef>
+            <a:fillRef idx="0">
+              <a:schemeClr val="dk1"/>
+            </a:fillRef>
+            <a:effectRef idx="0">
+              <a:schemeClr val="dk1"/>
+            </a:effectRef>
+            <a:fontRef idx="minor">
+              <a:schemeClr val="tx1"/>
+            </a:fontRef>
+          </p:style>
+        </p:cxnSp>
+        <p:cxnSp>
+          <p:nvCxnSpPr>
+            <p:cNvPr id="32" name="Connector: Elbow 31">
+              <a:extLst>
+                <a:ext uri="{FF2B5EF4-FFF2-40B4-BE49-F238E27FC236}">
+                  <a16:creationId xmlns:a16="http://schemas.microsoft.com/office/drawing/2014/main" id="{271BE884-65F2-8A00-92AB-FF62913D32CF}"/>
+                </a:ext>
+              </a:extLst>
+            </p:cNvPr>
+            <p:cNvCxnSpPr>
+              <a:cxnSpLocks/>
+            </p:cNvCxnSpPr>
+            <p:nvPr/>
+          </p:nvCxnSpPr>
+          <p:spPr>
+            <a:xfrm rot="5400000">
+              <a:off x="4274054" y="2293293"/>
+              <a:ext cx="731520" cy="182880"/>
+            </a:xfrm>
+            <a:prstGeom prst="bentConnector2">
+              <a:avLst/>
+            </a:prstGeom>
+            <a:ln w="28575">
+              <a:solidFill>
+                <a:srgbClr val="2D0AFE"/>
+              </a:solidFill>
+              <a:tailEnd type="triangle"/>
+            </a:ln>
+          </p:spPr>
+          <p:style>
+            <a:lnRef idx="1">
+              <a:schemeClr val="accent1"/>
+            </a:lnRef>
+            <a:fillRef idx="0">
+              <a:schemeClr val="accent1"/>
+            </a:fillRef>
+            <a:effectRef idx="0">
+              <a:schemeClr val="accent1"/>
+            </a:effectRef>
+            <a:fontRef idx="minor">
+              <a:schemeClr val="tx1"/>
+            </a:fontRef>
+          </p:style>
+        </p:cxnSp>
+        <p:sp>
+          <p:nvSpPr>
+            <p:cNvPr id="33" name="Rectangle 32">
+              <a:extLst>
+                <a:ext uri="{FF2B5EF4-FFF2-40B4-BE49-F238E27FC236}">
+                  <a16:creationId xmlns:a16="http://schemas.microsoft.com/office/drawing/2014/main" id="{D1770566-C13D-4337-0002-EDEB4EE474F1}"/>
+                </a:ext>
+              </a:extLst>
+            </p:cNvPr>
+            <p:cNvSpPr>
+              <a:spLocks/>
+            </p:cNvSpPr>
+            <p:nvPr/>
+          </p:nvSpPr>
+          <p:spPr>
+            <a:xfrm>
+              <a:off x="4821804" y="1460336"/>
+              <a:ext cx="3509466" cy="1290151"/>
+            </a:xfrm>
+            <a:prstGeom prst="rect">
+              <a:avLst/>
+            </a:prstGeom>
+            <a:noFill/>
+            <a:ln>
+              <a:solidFill>
+                <a:srgbClr val="00B050"/>
+              </a:solidFill>
+              <a:prstDash val="sysDash"/>
+            </a:ln>
+          </p:spPr>
+          <p:style>
+            <a:lnRef idx="2">
+              <a:schemeClr val="accent1">
+                <a:shade val="15000"/>
+              </a:schemeClr>
+            </a:lnRef>
+            <a:fillRef idx="1">
+              <a:schemeClr val="accent1"/>
+            </a:fillRef>
+            <a:effectRef idx="0">
+              <a:schemeClr val="accent1"/>
+            </a:effectRef>
+            <a:fontRef idx="minor">
+              <a:schemeClr val="lt1"/>
+            </a:fontRef>
+          </p:style>
+          <p:txBody>
+            <a:bodyPr rtlCol="0" anchor="ctr"/>
+            <a:lstStyle/>
+            <a:p>
+              <a:pPr algn="ctr"/>
+              <a:endParaRPr lang="en-US"/>
+            </a:p>
+          </p:txBody>
+        </p:sp>
+        <p:sp>
+          <p:nvSpPr>
+            <p:cNvPr id="34" name="TextBox 33">
+              <a:extLst>
+                <a:ext uri="{FF2B5EF4-FFF2-40B4-BE49-F238E27FC236}">
+                  <a16:creationId xmlns:a16="http://schemas.microsoft.com/office/drawing/2014/main" id="{0C7B3451-C235-8E9D-7D2F-16A068915018}"/>
+                </a:ext>
+              </a:extLst>
+            </p:cNvPr>
+            <p:cNvSpPr txBox="1">
+              <a:spLocks/>
+            </p:cNvSpPr>
+            <p:nvPr/>
+          </p:nvSpPr>
+          <p:spPr>
+            <a:xfrm>
+              <a:off x="4983520" y="2356801"/>
+              <a:ext cx="1461865" cy="369332"/>
+            </a:xfrm>
+            <a:prstGeom prst="rect">
+              <a:avLst/>
+            </a:prstGeom>
+            <a:noFill/>
+          </p:spPr>
+          <p:txBody>
+            <a:bodyPr wrap="square" rtlCol="0">
+              <a:spAutoFit/>
+            </a:bodyPr>
+            <a:lstStyle/>
+            <a:p>
+              <a:r>
+                <a:rPr lang="en-US" dirty="0">
+                  <a:solidFill>
+                    <a:srgbClr val="00B050"/>
+                  </a:solidFill>
+                </a:rPr>
+                <a:t>Inner Loop</a:t>
+              </a:r>
+            </a:p>
+          </p:txBody>
+        </p:sp>
+      </p:grpSp>
+    </p:spTree>
+    <p:extLst>
+      <p:ext uri="{BB962C8B-B14F-4D97-AF65-F5344CB8AC3E}">
+        <p14:creationId xmlns:p14="http://schemas.microsoft.com/office/powerpoint/2010/main" val="1980896174"/>
+      </p:ext>
+    </p:extLst>
+  </p:cSld>
+  <p:clrMapOvr>
+    <a:masterClrMapping/>
+  </p:clrMapOvr>
+</p:sld>
+</file>
+
 <file path=ppt/tags/tag1.xml><?xml version="1.0" encoding="utf-8"?>
 <p:tagLst xmlns:a="http://schemas.openxmlformats.org/drawingml/2006/main" xmlns:r="http://schemas.openxmlformats.org/officeDocument/2006/relationships" xmlns:p="http://schemas.openxmlformats.org/presentationml/2006/main">
   <p:tag name="OUTPUTDPI" val="300"/>
@@ -7756,6 +9275,106 @@
 </p:tagLst>
 </file>
 
+<file path=ppt/tags/tag35.xml><?xml version="1.0" encoding="utf-8"?>
+<p:tagLst xmlns:a="http://schemas.openxmlformats.org/drawingml/2006/main" xmlns:r="http://schemas.openxmlformats.org/officeDocument/2006/relationships" xmlns:p="http://schemas.openxmlformats.org/presentationml/2006/main">
+  <p:tag name="OUTPUTDPI" val="300"/>
+  <p:tag name="ORIGINALHEIGHT" val="27.74654"/>
+  <p:tag name="ORIGINALWIDTH" val="68.99134"/>
+  <p:tag name="OUTPUTTYPE" val="PNG"/>
+  <p:tag name="IGUANATEXVERSION" val="160"/>
+  <p:tag name="LATEXADDIN" val="\documentclass{article}&#10;\usepackage{amsmath}&#10;\pagestyle{empty}&#10;\begin{document}&#10;\begin{align}&#10;q_d,\dot{q}_d\nonumber&#10;\end{align}&#10;\end{document}"/>
+  <p:tag name="IGUANATEXSIZE" val="18"/>
+  <p:tag name="IGUANATEXCURSOR" val="107"/>
+  <p:tag name="TRANSPARENCY" val="True"/>
+  <p:tag name="LATEXENGINEID" val="0"/>
+  <p:tag name="TEMPFOLDER" val="D:\"/>
+  <p:tag name="LATEXFORMHEIGHT" val="312"/>
+  <p:tag name="LATEXFORMWIDTH" val="384"/>
+  <p:tag name="LATEXFORMWRAP" val="True"/>
+  <p:tag name="BITMAPVECTOR" val="0"/>
+</p:tagLst>
+</file>
+
+<file path=ppt/tags/tag36.xml><?xml version="1.0" encoding="utf-8"?>
+<p:tagLst xmlns:a="http://schemas.openxmlformats.org/drawingml/2006/main" xmlns:r="http://schemas.openxmlformats.org/officeDocument/2006/relationships" xmlns:p="http://schemas.openxmlformats.org/presentationml/2006/main">
+  <p:tag name="OUTPUTDPI" val="300"/>
+  <p:tag name="ORIGINALHEIGHT" val="19.49756"/>
+  <p:tag name="ORIGINALWIDTH" val="29.99622"/>
+  <p:tag name="OUTPUTTYPE" val="PNG"/>
+  <p:tag name="IGUANATEXVERSION" val="160"/>
+  <p:tag name="LATEXADDIN" val="\documentclass{article}&#10;\usepackage{amsmath}&#10;\pagestyle{empty}&#10;\begin{document}&#10;\begin{align}&#10;p_d\nonumber&#10;\end{align}&#10;\end{document}"/>
+  <p:tag name="IGUANATEXSIZE" val="18"/>
+  <p:tag name="IGUANATEXCURSOR" val="94"/>
+  <p:tag name="TRANSPARENCY" val="True"/>
+  <p:tag name="LATEXENGINEID" val="0"/>
+  <p:tag name="TEMPFOLDER" val="D:\"/>
+  <p:tag name="LATEXFORMHEIGHT" val="312"/>
+  <p:tag name="LATEXFORMWIDTH" val="384"/>
+  <p:tag name="LATEXFORMWRAP" val="True"/>
+  <p:tag name="BITMAPVECTOR" val="0"/>
+</p:tagLst>
+</file>
+
+<file path=ppt/tags/tag37.xml><?xml version="1.0" encoding="utf-8"?>
+<p:tagLst xmlns:a="http://schemas.openxmlformats.org/drawingml/2006/main" xmlns:r="http://schemas.openxmlformats.org/officeDocument/2006/relationships" xmlns:p="http://schemas.openxmlformats.org/presentationml/2006/main">
+  <p:tag name="OUTPUTDPI" val="300"/>
+  <p:tag name="ORIGINALHEIGHT" val="19.49756"/>
+  <p:tag name="ORIGINALWIDTH" val="38.99512"/>
+  <p:tag name="OUTPUTTYPE" val="PNG"/>
+  <p:tag name="IGUANATEXVERSION" val="160"/>
+  <p:tag name="LATEXADDIN" val="\documentclass{article}&#10;\usepackage{amsmath}&#10;\pagestyle{empty}&#10;\begin{document}&#10;\begin{align}&#10;p_m\nonumber&#10;\end{align}&#10;\end{document}"/>
+  <p:tag name="IGUANATEXSIZE" val="18"/>
+  <p:tag name="IGUANATEXCURSOR" val="97"/>
+  <p:tag name="TRANSPARENCY" val="True"/>
+  <p:tag name="LATEXENGINEID" val="0"/>
+  <p:tag name="TEMPFOLDER" val="D:\"/>
+  <p:tag name="LATEXFORMHEIGHT" val="312"/>
+  <p:tag name="LATEXFORMWIDTH" val="384"/>
+  <p:tag name="LATEXFORMWRAP" val="True"/>
+  <p:tag name="BITMAPVECTOR" val="0"/>
+</p:tagLst>
+</file>
+
+<file path=ppt/tags/tag38.xml><?xml version="1.0" encoding="utf-8"?>
+<p:tagLst xmlns:a="http://schemas.openxmlformats.org/drawingml/2006/main" xmlns:r="http://schemas.openxmlformats.org/officeDocument/2006/relationships" xmlns:p="http://schemas.openxmlformats.org/presentationml/2006/main">
+  <p:tag name="OUTPUTDPI" val="300"/>
+  <p:tag name="ORIGINALHEIGHT" val="30.74614"/>
+  <p:tag name="ORIGINALWIDTH" val="49.49378"/>
+  <p:tag name="OUTPUTTYPE" val="PNG"/>
+  <p:tag name="IGUANATEXVERSION" val="160"/>
+  <p:tag name="LATEXADDIN" val="\documentclass{article}&#10;\usepackage{amsmath}&#10;\pagestyle{empty}&#10;\begin{document}&#10;\begin{align}&#10;\tau/f\nonumber&#10;\end{align}&#10;\end{document}"/>
+  <p:tag name="IGUANATEXSIZE" val="18"/>
+  <p:tag name="IGUANATEXCURSOR" val="100"/>
+  <p:tag name="TRANSPARENCY" val="True"/>
+  <p:tag name="LATEXENGINEID" val="0"/>
+  <p:tag name="TEMPFOLDER" val="D:\"/>
+  <p:tag name="LATEXFORMHEIGHT" val="312"/>
+  <p:tag name="LATEXFORMWIDTH" val="384"/>
+  <p:tag name="LATEXFORMWRAP" val="True"/>
+  <p:tag name="BITMAPVECTOR" val="0"/>
+</p:tagLst>
+</file>
+
+<file path=ppt/tags/tag39.xml><?xml version="1.0" encoding="utf-8"?>
+<p:tagLst xmlns:a="http://schemas.openxmlformats.org/drawingml/2006/main" xmlns:r="http://schemas.openxmlformats.org/officeDocument/2006/relationships" xmlns:p="http://schemas.openxmlformats.org/presentationml/2006/main">
+  <p:tag name="OUTPUTDPI" val="300"/>
+  <p:tag name="ORIGINALHEIGHT" val="19.49756"/>
+  <p:tag name="ORIGINALWIDTH" val="13.49835"/>
+  <p:tag name="OUTPUTTYPE" val="PNG"/>
+  <p:tag name="IGUANATEXVERSION" val="160"/>
+  <p:tag name="LATEXADDIN" val="\documentclass{article}&#10;\usepackage{amsmath}&#10;\pagestyle{empty}&#10;\begin{document}&#10;\begin{align}&#10;q\nonumber&#10;\end{align}&#10;\end{document}"/>
+  <p:tag name="IGUANATEXSIZE" val="18"/>
+  <p:tag name="IGUANATEXCURSOR" val="95"/>
+  <p:tag name="TRANSPARENCY" val="True"/>
+  <p:tag name="LATEXENGINEID" val="0"/>
+  <p:tag name="TEMPFOLDER" val="D:\"/>
+  <p:tag name="LATEXFORMHEIGHT" val="312"/>
+  <p:tag name="LATEXFORMWIDTH" val="384"/>
+  <p:tag name="LATEXFORMWRAP" val="True"/>
+  <p:tag name="BITMAPVECTOR" val="0"/>
+</p:tagLst>
+</file>
+
 <file path=ppt/tags/tag4.xml><?xml version="1.0" encoding="utf-8"?>
 <p:tagLst xmlns:a="http://schemas.openxmlformats.org/drawingml/2006/main" xmlns:r="http://schemas.openxmlformats.org/officeDocument/2006/relationships" xmlns:p="http://schemas.openxmlformats.org/presentationml/2006/main">
   <p:tag name="OUTPUTDPI" val="300"/>

--- a/Processed figure/blockdiagram.pptx
+++ b/Processed figure/blockdiagram.pptx
@@ -245,7 +245,7 @@
           <a:p>
             <a:fld id="{3B1DD487-E9A5-4BD0-B6C1-1043E79918C3}" type="datetimeFigureOut">
               <a:rPr lang="en-US" smtClean="0"/>
-              <a:t>10/25/2023</a:t>
+              <a:t>10/27/2023</a:t>
             </a:fld>
             <a:endParaRPr lang="en-US"/>
           </a:p>
@@ -415,7 +415,7 @@
           <a:p>
             <a:fld id="{3B1DD487-E9A5-4BD0-B6C1-1043E79918C3}" type="datetimeFigureOut">
               <a:rPr lang="en-US" smtClean="0"/>
-              <a:t>10/25/2023</a:t>
+              <a:t>10/27/2023</a:t>
             </a:fld>
             <a:endParaRPr lang="en-US"/>
           </a:p>
@@ -595,7 +595,7 @@
           <a:p>
             <a:fld id="{3B1DD487-E9A5-4BD0-B6C1-1043E79918C3}" type="datetimeFigureOut">
               <a:rPr lang="en-US" smtClean="0"/>
-              <a:t>10/25/2023</a:t>
+              <a:t>10/27/2023</a:t>
             </a:fld>
             <a:endParaRPr lang="en-US"/>
           </a:p>
@@ -765,7 +765,7 @@
           <a:p>
             <a:fld id="{3B1DD487-E9A5-4BD0-B6C1-1043E79918C3}" type="datetimeFigureOut">
               <a:rPr lang="en-US" smtClean="0"/>
-              <a:t>10/25/2023</a:t>
+              <a:t>10/27/2023</a:t>
             </a:fld>
             <a:endParaRPr lang="en-US"/>
           </a:p>
@@ -1011,7 +1011,7 @@
           <a:p>
             <a:fld id="{3B1DD487-E9A5-4BD0-B6C1-1043E79918C3}" type="datetimeFigureOut">
               <a:rPr lang="en-US" smtClean="0"/>
-              <a:t>10/25/2023</a:t>
+              <a:t>10/27/2023</a:t>
             </a:fld>
             <a:endParaRPr lang="en-US"/>
           </a:p>
@@ -1243,7 +1243,7 @@
           <a:p>
             <a:fld id="{3B1DD487-E9A5-4BD0-B6C1-1043E79918C3}" type="datetimeFigureOut">
               <a:rPr lang="en-US" smtClean="0"/>
-              <a:t>10/25/2023</a:t>
+              <a:t>10/27/2023</a:t>
             </a:fld>
             <a:endParaRPr lang="en-US"/>
           </a:p>
@@ -1610,7 +1610,7 @@
           <a:p>
             <a:fld id="{3B1DD487-E9A5-4BD0-B6C1-1043E79918C3}" type="datetimeFigureOut">
               <a:rPr lang="en-US" smtClean="0"/>
-              <a:t>10/25/2023</a:t>
+              <a:t>10/27/2023</a:t>
             </a:fld>
             <a:endParaRPr lang="en-US"/>
           </a:p>
@@ -1728,7 +1728,7 @@
           <a:p>
             <a:fld id="{3B1DD487-E9A5-4BD0-B6C1-1043E79918C3}" type="datetimeFigureOut">
               <a:rPr lang="en-US" smtClean="0"/>
-              <a:t>10/25/2023</a:t>
+              <a:t>10/27/2023</a:t>
             </a:fld>
             <a:endParaRPr lang="en-US"/>
           </a:p>
@@ -1823,7 +1823,7 @@
           <a:p>
             <a:fld id="{3B1DD487-E9A5-4BD0-B6C1-1043E79918C3}" type="datetimeFigureOut">
               <a:rPr lang="en-US" smtClean="0"/>
-              <a:t>10/25/2023</a:t>
+              <a:t>10/27/2023</a:t>
             </a:fld>
             <a:endParaRPr lang="en-US"/>
           </a:p>
@@ -2100,7 +2100,7 @@
           <a:p>
             <a:fld id="{3B1DD487-E9A5-4BD0-B6C1-1043E79918C3}" type="datetimeFigureOut">
               <a:rPr lang="en-US" smtClean="0"/>
-              <a:t>10/25/2023</a:t>
+              <a:t>10/27/2023</a:t>
             </a:fld>
             <a:endParaRPr lang="en-US"/>
           </a:p>
@@ -2357,7 +2357,7 @@
           <a:p>
             <a:fld id="{3B1DD487-E9A5-4BD0-B6C1-1043E79918C3}" type="datetimeFigureOut">
               <a:rPr lang="en-US" smtClean="0"/>
-              <a:t>10/25/2023</a:t>
+              <a:t>10/27/2023</a:t>
             </a:fld>
             <a:endParaRPr lang="en-US"/>
           </a:p>
@@ -2570,7 +2570,7 @@
           <a:p>
             <a:fld id="{3B1DD487-E9A5-4BD0-B6C1-1043E79918C3}" type="datetimeFigureOut">
               <a:rPr lang="en-US" smtClean="0"/>
-              <a:t>10/25/2023</a:t>
+              <a:t>10/27/2023</a:t>
             </a:fld>
             <a:endParaRPr lang="en-US"/>
           </a:p>
@@ -7279,32 +7279,7 @@
           <a:bodyPr/>
           <a:lstStyle/>
           <a:p>
-            <a:endParaRPr lang="en-US"/>
-          </a:p>
-        </p:txBody>
-      </p:sp>
-      <p:sp>
-        <p:nvSpPr>
-          <p:cNvPr id="3" name="Content Placeholder 2">
-            <a:extLst>
-              <a:ext uri="{FF2B5EF4-FFF2-40B4-BE49-F238E27FC236}">
-                <a16:creationId xmlns:a16="http://schemas.microsoft.com/office/drawing/2014/main" id="{3E8DDCF6-EB13-651B-D0D1-27D3035BA510}"/>
-              </a:ext>
-            </a:extLst>
-          </p:cNvPr>
-          <p:cNvSpPr>
-            <a:spLocks noGrp="1"/>
-          </p:cNvSpPr>
-          <p:nvPr>
-            <p:ph idx="1"/>
-          </p:nvPr>
-        </p:nvSpPr>
-        <p:spPr/>
-        <p:txBody>
-          <a:bodyPr/>
-          <a:lstStyle/>
-          <a:p>
-            <a:endParaRPr lang="en-US"/>
+            <a:endParaRPr lang="en-US" dirty="0"/>
           </a:p>
         </p:txBody>
       </p:sp>
@@ -7324,7 +7299,7 @@
         </p:nvGrpSpPr>
         <p:grpSpPr>
           <a:xfrm>
-            <a:off x="1195756" y="1672614"/>
+            <a:off x="30048" y="682519"/>
             <a:ext cx="8513118" cy="1774770"/>
             <a:chOff x="2026336" y="1460336"/>
             <a:chExt cx="8513118" cy="1774770"/>
@@ -7417,7 +7392,7 @@
                     <a:srgbClr val="FF0000"/>
                   </a:solidFill>
                 </a:rPr>
-                <a:t>INA</a:t>
+                <a:t>A</a:t>
               </a:r>
               <a:r>
                 <a:rPr lang="en-US" dirty="0">
@@ -8398,8 +8373,8 @@
             </a:prstGeom>
           </p:spPr>
         </p:pic>
-        <mc:AlternateContent xmlns:mc="http://schemas.openxmlformats.org/markup-compatibility/2006">
-          <mc:Choice xmlns:a14="http://schemas.microsoft.com/office/drawing/2010/main" Requires="a14">
+        <mc:AlternateContent xmlns:mc="http://schemas.openxmlformats.org/markup-compatibility/2006" xmlns:a14="http://schemas.microsoft.com/office/drawing/2010/main">
+          <mc:Choice Requires="a14">
             <p:sp>
               <p:nvSpPr>
                 <p:cNvPr id="29" name="TextBox 28">
@@ -8430,6 +8405,7 @@
                 </a:bodyPr>
                 <a:lstStyle/>
                 <a:p>
+                  <a:pPr/>
                   <a14:m>
                     <m:oMathPara xmlns:m="http://schemas.openxmlformats.org/officeDocument/2006/math">
                       <m:oMathParaPr>
@@ -8472,7 +8448,7 @@
               </p:txBody>
             </p:sp>
           </mc:Choice>
-          <mc:Fallback>
+          <mc:Fallback xmlns="">
             <p:sp>
               <p:nvSpPr>
                 <p:cNvPr id="29" name="TextBox 28">

--- a/Processed figure/blockdiagram.pptx
+++ b/Processed figure/blockdiagram.pptx
@@ -8,6 +8,7 @@
     <p:sldId id="256" r:id="rId2"/>
     <p:sldId id="257" r:id="rId3"/>
     <p:sldId id="258" r:id="rId4"/>
+    <p:sldId id="259" r:id="rId5"/>
   </p:sldIdLst>
   <p:sldSz cx="6840538" cy="2286000"/>
   <p:notesSz cx="6858000" cy="9144000"/>
@@ -245,7 +246,7 @@
           <a:p>
             <a:fld id="{3B1DD487-E9A5-4BD0-B6C1-1043E79918C3}" type="datetimeFigureOut">
               <a:rPr lang="en-US" smtClean="0"/>
-              <a:t>10/27/2023</a:t>
+              <a:t>2/5/2024</a:t>
             </a:fld>
             <a:endParaRPr lang="en-US"/>
           </a:p>
@@ -415,7 +416,7 @@
           <a:p>
             <a:fld id="{3B1DD487-E9A5-4BD0-B6C1-1043E79918C3}" type="datetimeFigureOut">
               <a:rPr lang="en-US" smtClean="0"/>
-              <a:t>10/27/2023</a:t>
+              <a:t>2/5/2024</a:t>
             </a:fld>
             <a:endParaRPr lang="en-US"/>
           </a:p>
@@ -595,7 +596,7 @@
           <a:p>
             <a:fld id="{3B1DD487-E9A5-4BD0-B6C1-1043E79918C3}" type="datetimeFigureOut">
               <a:rPr lang="en-US" smtClean="0"/>
-              <a:t>10/27/2023</a:t>
+              <a:t>2/5/2024</a:t>
             </a:fld>
             <a:endParaRPr lang="en-US"/>
           </a:p>
@@ -765,7 +766,7 @@
           <a:p>
             <a:fld id="{3B1DD487-E9A5-4BD0-B6C1-1043E79918C3}" type="datetimeFigureOut">
               <a:rPr lang="en-US" smtClean="0"/>
-              <a:t>10/27/2023</a:t>
+              <a:t>2/5/2024</a:t>
             </a:fld>
             <a:endParaRPr lang="en-US"/>
           </a:p>
@@ -1011,7 +1012,7 @@
           <a:p>
             <a:fld id="{3B1DD487-E9A5-4BD0-B6C1-1043E79918C3}" type="datetimeFigureOut">
               <a:rPr lang="en-US" smtClean="0"/>
-              <a:t>10/27/2023</a:t>
+              <a:t>2/5/2024</a:t>
             </a:fld>
             <a:endParaRPr lang="en-US"/>
           </a:p>
@@ -1243,7 +1244,7 @@
           <a:p>
             <a:fld id="{3B1DD487-E9A5-4BD0-B6C1-1043E79918C3}" type="datetimeFigureOut">
               <a:rPr lang="en-US" smtClean="0"/>
-              <a:t>10/27/2023</a:t>
+              <a:t>2/5/2024</a:t>
             </a:fld>
             <a:endParaRPr lang="en-US"/>
           </a:p>
@@ -1610,7 +1611,7 @@
           <a:p>
             <a:fld id="{3B1DD487-E9A5-4BD0-B6C1-1043E79918C3}" type="datetimeFigureOut">
               <a:rPr lang="en-US" smtClean="0"/>
-              <a:t>10/27/2023</a:t>
+              <a:t>2/5/2024</a:t>
             </a:fld>
             <a:endParaRPr lang="en-US"/>
           </a:p>
@@ -1728,7 +1729,7 @@
           <a:p>
             <a:fld id="{3B1DD487-E9A5-4BD0-B6C1-1043E79918C3}" type="datetimeFigureOut">
               <a:rPr lang="en-US" smtClean="0"/>
-              <a:t>10/27/2023</a:t>
+              <a:t>2/5/2024</a:t>
             </a:fld>
             <a:endParaRPr lang="en-US"/>
           </a:p>
@@ -1823,7 +1824,7 @@
           <a:p>
             <a:fld id="{3B1DD487-E9A5-4BD0-B6C1-1043E79918C3}" type="datetimeFigureOut">
               <a:rPr lang="en-US" smtClean="0"/>
-              <a:t>10/27/2023</a:t>
+              <a:t>2/5/2024</a:t>
             </a:fld>
             <a:endParaRPr lang="en-US"/>
           </a:p>
@@ -2100,7 +2101,7 @@
           <a:p>
             <a:fld id="{3B1DD487-E9A5-4BD0-B6C1-1043E79918C3}" type="datetimeFigureOut">
               <a:rPr lang="en-US" smtClean="0"/>
-              <a:t>10/27/2023</a:t>
+              <a:t>2/5/2024</a:t>
             </a:fld>
             <a:endParaRPr lang="en-US"/>
           </a:p>
@@ -2357,7 +2358,7 @@
           <a:p>
             <a:fld id="{3B1DD487-E9A5-4BD0-B6C1-1043E79918C3}" type="datetimeFigureOut">
               <a:rPr lang="en-US" smtClean="0"/>
-              <a:t>10/27/2023</a:t>
+              <a:t>2/5/2024</a:t>
             </a:fld>
             <a:endParaRPr lang="en-US"/>
           </a:p>
@@ -2570,7 +2571,7 @@
           <a:p>
             <a:fld id="{3B1DD487-E9A5-4BD0-B6C1-1043E79918C3}" type="datetimeFigureOut">
               <a:rPr lang="en-US" smtClean="0"/>
-              <a:t>10/27/2023</a:t>
+              <a:t>2/5/2024</a:t>
             </a:fld>
             <a:endParaRPr lang="en-US"/>
           </a:p>
@@ -8735,6 +8736,1861 @@
 </p:sld>
 </file>
 
+<file path=ppt/slides/slide4.xml><?xml version="1.0" encoding="utf-8"?>
+<p:sld xmlns:a="http://schemas.openxmlformats.org/drawingml/2006/main" xmlns:r="http://schemas.openxmlformats.org/officeDocument/2006/relationships" xmlns:p="http://schemas.openxmlformats.org/presentationml/2006/main">
+  <p:cSld>
+    <p:spTree>
+      <p:nvGrpSpPr>
+        <p:cNvPr id="1" name="">
+          <a:extLst>
+            <a:ext uri="{FF2B5EF4-FFF2-40B4-BE49-F238E27FC236}">
+              <a16:creationId xmlns:a16="http://schemas.microsoft.com/office/drawing/2014/main" id="{1829F0A6-F3D0-C2FA-FAE4-CE65722BDA7C}"/>
+            </a:ext>
+          </a:extLst>
+        </p:cNvPr>
+        <p:cNvGrpSpPr/>
+        <p:nvPr/>
+      </p:nvGrpSpPr>
+      <p:grpSpPr>
+        <a:xfrm>
+          <a:off x="0" y="0"/>
+          <a:ext cx="0" cy="0"/>
+          <a:chOff x="0" y="0"/>
+          <a:chExt cx="0" cy="0"/>
+        </a:xfrm>
+      </p:grpSpPr>
+      <p:grpSp>
+        <p:nvGrpSpPr>
+          <p:cNvPr id="98" name="组合 97">
+            <a:extLst>
+              <a:ext uri="{FF2B5EF4-FFF2-40B4-BE49-F238E27FC236}">
+                <a16:creationId xmlns:a16="http://schemas.microsoft.com/office/drawing/2014/main" id="{74CC7767-BD5A-CB41-2B9B-135A63D57584}"/>
+              </a:ext>
+            </a:extLst>
+          </p:cNvPr>
+          <p:cNvGrpSpPr/>
+          <p:nvPr/>
+        </p:nvGrpSpPr>
+        <p:grpSpPr>
+          <a:xfrm>
+            <a:off x="74065" y="816945"/>
+            <a:ext cx="4467455" cy="2180492"/>
+            <a:chOff x="74065" y="816945"/>
+            <a:chExt cx="4467455" cy="2180492"/>
+          </a:xfrm>
+        </p:grpSpPr>
+        <p:cxnSp>
+          <p:nvCxnSpPr>
+            <p:cNvPr id="5" name="Straight Arrow Connector 4">
+              <a:extLst>
+                <a:ext uri="{FF2B5EF4-FFF2-40B4-BE49-F238E27FC236}">
+                  <a16:creationId xmlns:a16="http://schemas.microsoft.com/office/drawing/2014/main" id="{305FFF88-8B55-C907-E9AB-BF4AF4AD49C5}"/>
+                </a:ext>
+              </a:extLst>
+            </p:cNvPr>
+            <p:cNvCxnSpPr>
+              <a:cxnSpLocks/>
+            </p:cNvCxnSpPr>
+            <p:nvPr/>
+          </p:nvCxnSpPr>
+          <p:spPr>
+            <a:xfrm>
+              <a:off x="74065" y="1271549"/>
+              <a:ext cx="671542" cy="0"/>
+            </a:xfrm>
+            <a:prstGeom prst="straightConnector1">
+              <a:avLst/>
+            </a:prstGeom>
+            <a:ln w="28575">
+              <a:solidFill>
+                <a:schemeClr val="tx1"/>
+              </a:solidFill>
+              <a:tailEnd type="triangle"/>
+            </a:ln>
+          </p:spPr>
+          <p:style>
+            <a:lnRef idx="1">
+              <a:schemeClr val="accent1"/>
+            </a:lnRef>
+            <a:fillRef idx="0">
+              <a:schemeClr val="accent1"/>
+            </a:fillRef>
+            <a:effectRef idx="0">
+              <a:schemeClr val="accent1"/>
+            </a:effectRef>
+            <a:fontRef idx="minor">
+              <a:schemeClr val="tx1"/>
+            </a:fontRef>
+          </p:style>
+        </p:cxnSp>
+        <p:sp>
+          <p:nvSpPr>
+            <p:cNvPr id="6" name="TextBox 5">
+              <a:extLst>
+                <a:ext uri="{FF2B5EF4-FFF2-40B4-BE49-F238E27FC236}">
+                  <a16:creationId xmlns:a16="http://schemas.microsoft.com/office/drawing/2014/main" id="{8143F090-EAEA-5070-7561-DCBD2682B736}"/>
+                </a:ext>
+              </a:extLst>
+            </p:cNvPr>
+            <p:cNvSpPr txBox="1">
+              <a:spLocks/>
+            </p:cNvSpPr>
+            <p:nvPr/>
+          </p:nvSpPr>
+          <p:spPr>
+            <a:xfrm>
+              <a:off x="1352853" y="1125185"/>
+              <a:ext cx="619547" cy="276999"/>
+            </a:xfrm>
+            <a:prstGeom prst="rect">
+              <a:avLst/>
+            </a:prstGeom>
+            <a:noFill/>
+            <a:ln>
+              <a:solidFill>
+                <a:srgbClr val="FF0000"/>
+              </a:solidFill>
+            </a:ln>
+          </p:spPr>
+          <p:txBody>
+            <a:bodyPr wrap="square" rtlCol="0">
+              <a:spAutoFit/>
+            </a:bodyPr>
+            <a:lstStyle/>
+            <a:p>
+              <a:pPr algn="ctr"/>
+              <a:r>
+                <a:rPr lang="en-US" altLang="zh-CN" sz="1200" dirty="0">
+                  <a:solidFill>
+                    <a:srgbClr val="FF0000"/>
+                  </a:solidFill>
+                  <a:latin typeface="Times New Roman" panose="02020603050405020304" pitchFamily="18" charset="0"/>
+                  <a:cs typeface="Times New Roman" panose="02020603050405020304" pitchFamily="18" charset="0"/>
+                </a:rPr>
+                <a:t>A</a:t>
+              </a:r>
+              <a:r>
+                <a:rPr lang="en-US" sz="1200" dirty="0">
+                  <a:solidFill>
+                    <a:srgbClr val="FF0000"/>
+                  </a:solidFill>
+                  <a:latin typeface="Times New Roman" panose="02020603050405020304" pitchFamily="18" charset="0"/>
+                  <a:cs typeface="Times New Roman" panose="02020603050405020304" pitchFamily="18" charset="0"/>
+                </a:rPr>
+                <a:t>SMC</a:t>
+              </a:r>
+            </a:p>
+          </p:txBody>
+        </p:sp>
+        <p:sp>
+          <p:nvSpPr>
+            <p:cNvPr id="7" name="Oval 6">
+              <a:extLst>
+                <a:ext uri="{FF2B5EF4-FFF2-40B4-BE49-F238E27FC236}">
+                  <a16:creationId xmlns:a16="http://schemas.microsoft.com/office/drawing/2014/main" id="{F481922D-E7CB-EF45-8740-E7ECE701BC8B}"/>
+                </a:ext>
+              </a:extLst>
+            </p:cNvPr>
+            <p:cNvSpPr>
+              <a:spLocks/>
+            </p:cNvSpPr>
+            <p:nvPr/>
+          </p:nvSpPr>
+          <p:spPr>
+            <a:xfrm>
+              <a:off x="745607" y="1126524"/>
+              <a:ext cx="274320" cy="274320"/>
+            </a:xfrm>
+            <a:prstGeom prst="ellipse">
+              <a:avLst/>
+            </a:prstGeom>
+            <a:noFill/>
+            <a:ln>
+              <a:solidFill>
+                <a:schemeClr val="tx1"/>
+              </a:solidFill>
+            </a:ln>
+          </p:spPr>
+          <p:style>
+            <a:lnRef idx="2">
+              <a:schemeClr val="accent1">
+                <a:shade val="50000"/>
+              </a:schemeClr>
+            </a:lnRef>
+            <a:fillRef idx="1">
+              <a:schemeClr val="accent1"/>
+            </a:fillRef>
+            <a:effectRef idx="0">
+              <a:schemeClr val="accent1"/>
+            </a:effectRef>
+            <a:fontRef idx="minor">
+              <a:schemeClr val="lt1"/>
+            </a:fontRef>
+          </p:style>
+          <p:txBody>
+            <a:bodyPr rtlCol="0" anchor="ctr"/>
+            <a:lstStyle/>
+            <a:p>
+              <a:pPr algn="ctr"/>
+              <a:endParaRPr lang="en-US" sz="1200">
+                <a:latin typeface="Times New Roman" panose="02020603050405020304" pitchFamily="18" charset="0"/>
+                <a:cs typeface="Times New Roman" panose="02020603050405020304" pitchFamily="18" charset="0"/>
+              </a:endParaRPr>
+            </a:p>
+          </p:txBody>
+        </p:sp>
+        <p:sp>
+          <p:nvSpPr>
+            <p:cNvPr id="9" name="TextBox 8">
+              <a:extLst>
+                <a:ext uri="{FF2B5EF4-FFF2-40B4-BE49-F238E27FC236}">
+                  <a16:creationId xmlns:a16="http://schemas.microsoft.com/office/drawing/2014/main" id="{75A562D3-E73A-0C4E-2F25-2D94A4A74338}"/>
+                </a:ext>
+              </a:extLst>
+            </p:cNvPr>
+            <p:cNvSpPr txBox="1">
+              <a:spLocks/>
+            </p:cNvSpPr>
+            <p:nvPr/>
+          </p:nvSpPr>
+          <p:spPr>
+            <a:xfrm>
+              <a:off x="3404576" y="1125185"/>
+              <a:ext cx="760054" cy="276999"/>
+            </a:xfrm>
+            <a:prstGeom prst="rect">
+              <a:avLst/>
+            </a:prstGeom>
+            <a:noFill/>
+            <a:ln>
+              <a:solidFill>
+                <a:schemeClr val="tx1"/>
+              </a:solidFill>
+            </a:ln>
+          </p:spPr>
+          <p:txBody>
+            <a:bodyPr wrap="square" rtlCol="0">
+              <a:spAutoFit/>
+            </a:bodyPr>
+            <a:lstStyle/>
+            <a:p>
+              <a:pPr algn="ctr"/>
+              <a:r>
+                <a:rPr lang="en-US" sz="1200" dirty="0">
+                  <a:latin typeface="Times New Roman" panose="02020603050405020304" pitchFamily="18" charset="0"/>
+                  <a:cs typeface="Times New Roman" panose="02020603050405020304" pitchFamily="18" charset="0"/>
+                </a:rPr>
+                <a:t>Soft Arm</a:t>
+              </a:r>
+            </a:p>
+          </p:txBody>
+        </p:sp>
+        <p:cxnSp>
+          <p:nvCxnSpPr>
+            <p:cNvPr id="12" name="Straight Arrow Connector 11">
+              <a:extLst>
+                <a:ext uri="{FF2B5EF4-FFF2-40B4-BE49-F238E27FC236}">
+                  <a16:creationId xmlns:a16="http://schemas.microsoft.com/office/drawing/2014/main" id="{7F065174-913C-7F15-1967-523CBF444F5D}"/>
+                </a:ext>
+              </a:extLst>
+            </p:cNvPr>
+            <p:cNvCxnSpPr>
+              <a:cxnSpLocks/>
+            </p:cNvCxnSpPr>
+            <p:nvPr/>
+          </p:nvCxnSpPr>
+          <p:spPr>
+            <a:xfrm>
+              <a:off x="4164630" y="1255816"/>
+              <a:ext cx="376890" cy="0"/>
+            </a:xfrm>
+            <a:prstGeom prst="straightConnector1">
+              <a:avLst/>
+            </a:prstGeom>
+            <a:ln w="28575">
+              <a:solidFill>
+                <a:schemeClr val="tx1"/>
+              </a:solidFill>
+              <a:tailEnd type="triangle"/>
+            </a:ln>
+          </p:spPr>
+          <p:style>
+            <a:lnRef idx="1">
+              <a:schemeClr val="accent1"/>
+            </a:lnRef>
+            <a:fillRef idx="0">
+              <a:schemeClr val="accent1"/>
+            </a:fillRef>
+            <a:effectRef idx="0">
+              <a:schemeClr val="accent1"/>
+            </a:effectRef>
+            <a:fontRef idx="minor">
+              <a:schemeClr val="tx1"/>
+            </a:fontRef>
+          </p:style>
+        </p:cxnSp>
+        <p:pic>
+          <p:nvPicPr>
+            <p:cNvPr id="13" name="Picture 12" descr="\documentclass{article}&#10;\usepackage{amsmath}&#10;\pagestyle{empty}&#10;\begin{document}&#10;\begin{align}&#10;q_d,\dot{q}_d\nonumber&#10;\end{align}&#10;\end{document}" title="IguanaTex Bitmap Display">
+              <a:extLst>
+                <a:ext uri="{FF2B5EF4-FFF2-40B4-BE49-F238E27FC236}">
+                  <a16:creationId xmlns:a16="http://schemas.microsoft.com/office/drawing/2014/main" id="{B74871C5-EC0E-16A6-2F04-5D147F43937A}"/>
+                </a:ext>
+              </a:extLst>
+            </p:cNvPr>
+            <p:cNvPicPr>
+              <a:picLocks noChangeAspect="1"/>
+            </p:cNvPicPr>
+            <p:nvPr>
+              <p:custDataLst>
+                <p:tags r:id="rId1"/>
+              </p:custDataLst>
+            </p:nvPr>
+          </p:nvPicPr>
+          <p:blipFill>
+            <a:blip r:embed="rId9">
+              <a:extLst>
+                <a:ext uri="{28A0092B-C50C-407E-A947-70E740481C1C}">
+                  <a14:useLocalDpi xmlns:a14="http://schemas.microsoft.com/office/drawing/2010/main" val="0"/>
+                </a:ext>
+              </a:extLst>
+            </a:blip>
+            <a:stretch>
+              <a:fillRect/>
+            </a:stretch>
+          </p:blipFill>
+          <p:spPr>
+            <a:xfrm>
+              <a:off x="116374" y="1026775"/>
+              <a:ext cx="504685" cy="202971"/>
+            </a:xfrm>
+            <a:prstGeom prst="rect">
+              <a:avLst/>
+            </a:prstGeom>
+          </p:spPr>
+        </p:pic>
+        <p:cxnSp>
+          <p:nvCxnSpPr>
+            <p:cNvPr id="14" name="Straight Connector 13">
+              <a:extLst>
+                <a:ext uri="{FF2B5EF4-FFF2-40B4-BE49-F238E27FC236}">
+                  <a16:creationId xmlns:a16="http://schemas.microsoft.com/office/drawing/2014/main" id="{4BD8D974-630E-40C5-01E0-8C900A83D5F7}"/>
+                </a:ext>
+              </a:extLst>
+            </p:cNvPr>
+            <p:cNvCxnSpPr>
+              <a:cxnSpLocks/>
+            </p:cNvCxnSpPr>
+            <p:nvPr/>
+          </p:nvCxnSpPr>
+          <p:spPr>
+            <a:xfrm flipH="1">
+              <a:off x="881632" y="1912973"/>
+              <a:ext cx="3471443" cy="0"/>
+            </a:xfrm>
+            <a:prstGeom prst="line">
+              <a:avLst/>
+            </a:prstGeom>
+            <a:ln w="28575"/>
+          </p:spPr>
+          <p:style>
+            <a:lnRef idx="1">
+              <a:schemeClr val="dk1"/>
+            </a:lnRef>
+            <a:fillRef idx="0">
+              <a:schemeClr val="dk1"/>
+            </a:fillRef>
+            <a:effectRef idx="0">
+              <a:schemeClr val="dk1"/>
+            </a:effectRef>
+            <a:fontRef idx="minor">
+              <a:schemeClr val="tx1"/>
+            </a:fontRef>
+          </p:style>
+        </p:cxnSp>
+        <p:cxnSp>
+          <p:nvCxnSpPr>
+            <p:cNvPr id="15" name="Straight Arrow Connector 14">
+              <a:extLst>
+                <a:ext uri="{FF2B5EF4-FFF2-40B4-BE49-F238E27FC236}">
+                  <a16:creationId xmlns:a16="http://schemas.microsoft.com/office/drawing/2014/main" id="{D6B85F61-D10C-285C-E7AF-5563F6F35B53}"/>
+                </a:ext>
+              </a:extLst>
+            </p:cNvPr>
+            <p:cNvCxnSpPr>
+              <a:cxnSpLocks/>
+              <a:endCxn id="7" idx="4"/>
+            </p:cNvCxnSpPr>
+            <p:nvPr/>
+          </p:nvCxnSpPr>
+          <p:spPr>
+            <a:xfrm flipV="1">
+              <a:off x="882767" y="1400844"/>
+              <a:ext cx="0" cy="512129"/>
+            </a:xfrm>
+            <a:prstGeom prst="straightConnector1">
+              <a:avLst/>
+            </a:prstGeom>
+            <a:ln w="28575">
+              <a:solidFill>
+                <a:schemeClr val="tx1"/>
+              </a:solidFill>
+              <a:tailEnd type="triangle"/>
+            </a:ln>
+          </p:spPr>
+          <p:style>
+            <a:lnRef idx="1">
+              <a:schemeClr val="accent1"/>
+            </a:lnRef>
+            <a:fillRef idx="0">
+              <a:schemeClr val="accent1"/>
+            </a:fillRef>
+            <a:effectRef idx="0">
+              <a:schemeClr val="accent1"/>
+            </a:effectRef>
+            <a:fontRef idx="minor">
+              <a:schemeClr val="tx1"/>
+            </a:fontRef>
+          </p:style>
+        </p:cxnSp>
+        <p:cxnSp>
+          <p:nvCxnSpPr>
+            <p:cNvPr id="16" name="Straight Connector 15">
+              <a:extLst>
+                <a:ext uri="{FF2B5EF4-FFF2-40B4-BE49-F238E27FC236}">
+                  <a16:creationId xmlns:a16="http://schemas.microsoft.com/office/drawing/2014/main" id="{ED0569F5-B417-D7CF-6E55-626DF9AF1A1C}"/>
+                </a:ext>
+              </a:extLst>
+            </p:cNvPr>
+            <p:cNvCxnSpPr>
+              <a:cxnSpLocks/>
+            </p:cNvCxnSpPr>
+            <p:nvPr/>
+          </p:nvCxnSpPr>
+          <p:spPr>
+            <a:xfrm flipV="1">
+              <a:off x="4353075" y="1255816"/>
+              <a:ext cx="0" cy="648034"/>
+            </a:xfrm>
+            <a:prstGeom prst="line">
+              <a:avLst/>
+            </a:prstGeom>
+            <a:ln w="28575"/>
+          </p:spPr>
+          <p:style>
+            <a:lnRef idx="1">
+              <a:schemeClr val="dk1"/>
+            </a:lnRef>
+            <a:fillRef idx="0">
+              <a:schemeClr val="dk1"/>
+            </a:fillRef>
+            <a:effectRef idx="0">
+              <a:schemeClr val="dk1"/>
+            </a:effectRef>
+            <a:fontRef idx="minor">
+              <a:schemeClr val="tx1"/>
+            </a:fontRef>
+          </p:style>
+        </p:cxnSp>
+        <p:sp>
+          <p:nvSpPr>
+            <p:cNvPr id="17" name="TextBox 16">
+              <a:extLst>
+                <a:ext uri="{FF2B5EF4-FFF2-40B4-BE49-F238E27FC236}">
+                  <a16:creationId xmlns:a16="http://schemas.microsoft.com/office/drawing/2014/main" id="{10235D42-664E-0652-017D-FCB12AC097A2}"/>
+                </a:ext>
+              </a:extLst>
+            </p:cNvPr>
+            <p:cNvSpPr txBox="1">
+              <a:spLocks/>
+            </p:cNvSpPr>
+            <p:nvPr/>
+          </p:nvSpPr>
+          <p:spPr>
+            <a:xfrm>
+              <a:off x="1294297" y="1515574"/>
+              <a:ext cx="672008" cy="276999"/>
+            </a:xfrm>
+            <a:prstGeom prst="rect">
+              <a:avLst/>
+            </a:prstGeom>
+            <a:ln>
+              <a:solidFill>
+                <a:srgbClr val="2D0AFE"/>
+              </a:solidFill>
+            </a:ln>
+          </p:spPr>
+          <p:style>
+            <a:lnRef idx="2">
+              <a:schemeClr val="accent1"/>
+            </a:lnRef>
+            <a:fillRef idx="1">
+              <a:schemeClr val="lt1"/>
+            </a:fillRef>
+            <a:effectRef idx="0">
+              <a:schemeClr val="accent1"/>
+            </a:effectRef>
+            <a:fontRef idx="minor">
+              <a:schemeClr val="dk1"/>
+            </a:fontRef>
+          </p:style>
+          <p:txBody>
+            <a:bodyPr wrap="square" rtlCol="0">
+              <a:spAutoFit/>
+            </a:bodyPr>
+            <a:lstStyle/>
+            <a:p>
+              <a:pPr algn="ctr"/>
+              <a:r>
+                <a:rPr lang="en-US" sz="1200" dirty="0">
+                  <a:solidFill>
+                    <a:srgbClr val="2D0AFE"/>
+                  </a:solidFill>
+                  <a:latin typeface="Times New Roman" panose="02020603050405020304" pitchFamily="18" charset="0"/>
+                  <a:cs typeface="Times New Roman" panose="02020603050405020304" pitchFamily="18" charset="0"/>
+                </a:rPr>
+                <a:t>INDOB</a:t>
+              </a:r>
+            </a:p>
+          </p:txBody>
+        </p:sp>
+        <p:cxnSp>
+          <p:nvCxnSpPr>
+            <p:cNvPr id="18" name="Straight Arrow Connector 17">
+              <a:extLst>
+                <a:ext uri="{FF2B5EF4-FFF2-40B4-BE49-F238E27FC236}">
+                  <a16:creationId xmlns:a16="http://schemas.microsoft.com/office/drawing/2014/main" id="{1D1EC862-168F-7C86-CBB1-A96A3EB1E043}"/>
+                </a:ext>
+              </a:extLst>
+            </p:cNvPr>
+            <p:cNvCxnSpPr>
+              <a:cxnSpLocks/>
+            </p:cNvCxnSpPr>
+            <p:nvPr/>
+          </p:nvCxnSpPr>
+          <p:spPr>
+            <a:xfrm flipH="1">
+              <a:off x="1978494" y="1722708"/>
+              <a:ext cx="2352797" cy="0"/>
+            </a:xfrm>
+            <a:prstGeom prst="straightConnector1">
+              <a:avLst/>
+            </a:prstGeom>
+            <a:ln w="28575">
+              <a:solidFill>
+                <a:schemeClr val="tx1"/>
+              </a:solidFill>
+              <a:tailEnd type="triangle"/>
+            </a:ln>
+          </p:spPr>
+          <p:style>
+            <a:lnRef idx="1">
+              <a:schemeClr val="accent1"/>
+            </a:lnRef>
+            <a:fillRef idx="0">
+              <a:schemeClr val="accent1"/>
+            </a:fillRef>
+            <a:effectRef idx="0">
+              <a:schemeClr val="accent1"/>
+            </a:effectRef>
+            <a:fontRef idx="minor">
+              <a:schemeClr val="tx1"/>
+            </a:fontRef>
+          </p:style>
+        </p:cxnSp>
+        <p:cxnSp>
+          <p:nvCxnSpPr>
+            <p:cNvPr id="21" name="Straight Arrow Connector 20">
+              <a:extLst>
+                <a:ext uri="{FF2B5EF4-FFF2-40B4-BE49-F238E27FC236}">
+                  <a16:creationId xmlns:a16="http://schemas.microsoft.com/office/drawing/2014/main" id="{218819BF-44A5-11BF-AE5F-937E81737E93}"/>
+                </a:ext>
+              </a:extLst>
+            </p:cNvPr>
+            <p:cNvCxnSpPr>
+              <a:cxnSpLocks/>
+              <a:stCxn id="7" idx="6"/>
+              <a:endCxn id="6" idx="1"/>
+            </p:cNvCxnSpPr>
+            <p:nvPr/>
+          </p:nvCxnSpPr>
+          <p:spPr>
+            <a:xfrm>
+              <a:off x="1019927" y="1263684"/>
+              <a:ext cx="332926" cy="1"/>
+            </a:xfrm>
+            <a:prstGeom prst="straightConnector1">
+              <a:avLst/>
+            </a:prstGeom>
+            <a:ln w="28575">
+              <a:solidFill>
+                <a:schemeClr val="tx1"/>
+              </a:solidFill>
+              <a:tailEnd type="triangle"/>
+            </a:ln>
+          </p:spPr>
+          <p:style>
+            <a:lnRef idx="1">
+              <a:schemeClr val="accent1"/>
+            </a:lnRef>
+            <a:fillRef idx="0">
+              <a:schemeClr val="accent1"/>
+            </a:fillRef>
+            <a:effectRef idx="0">
+              <a:schemeClr val="accent1"/>
+            </a:effectRef>
+            <a:fontRef idx="minor">
+              <a:schemeClr val="tx1"/>
+            </a:fontRef>
+          </p:style>
+        </p:cxnSp>
+        <p:cxnSp>
+          <p:nvCxnSpPr>
+            <p:cNvPr id="25" name="Straight Arrow Connector 24">
+              <a:extLst>
+                <a:ext uri="{FF2B5EF4-FFF2-40B4-BE49-F238E27FC236}">
+                  <a16:creationId xmlns:a16="http://schemas.microsoft.com/office/drawing/2014/main" id="{662B18D5-0EBE-7978-C443-B8438BCCD737}"/>
+                </a:ext>
+              </a:extLst>
+            </p:cNvPr>
+            <p:cNvCxnSpPr>
+              <a:cxnSpLocks/>
+              <a:stCxn id="6" idx="3"/>
+              <a:endCxn id="56" idx="1"/>
+            </p:cNvCxnSpPr>
+            <p:nvPr/>
+          </p:nvCxnSpPr>
+          <p:spPr>
+            <a:xfrm flipV="1">
+              <a:off x="1972400" y="1263684"/>
+              <a:ext cx="536782" cy="1"/>
+            </a:xfrm>
+            <a:prstGeom prst="straightConnector1">
+              <a:avLst/>
+            </a:prstGeom>
+            <a:ln w="28575">
+              <a:solidFill>
+                <a:schemeClr val="tx1"/>
+              </a:solidFill>
+              <a:tailEnd type="triangle"/>
+            </a:ln>
+          </p:spPr>
+          <p:style>
+            <a:lnRef idx="1">
+              <a:schemeClr val="accent1"/>
+            </a:lnRef>
+            <a:fillRef idx="0">
+              <a:schemeClr val="accent1"/>
+            </a:fillRef>
+            <a:effectRef idx="0">
+              <a:schemeClr val="accent1"/>
+            </a:effectRef>
+            <a:fontRef idx="minor">
+              <a:schemeClr val="tx1"/>
+            </a:fontRef>
+          </p:style>
+        </p:cxnSp>
+        <p:pic>
+          <p:nvPicPr>
+            <p:cNvPr id="27" name="Picture 26" descr="\documentclass{article}&#10;\usepackage{amsmath}&#10;\pagestyle{empty}&#10;\begin{document}&#10;\begin{align}&#10;\tau/f\nonumber&#10;\end{align}&#10;\end{document}" title="IguanaTex Bitmap Display">
+              <a:extLst>
+                <a:ext uri="{FF2B5EF4-FFF2-40B4-BE49-F238E27FC236}">
+                  <a16:creationId xmlns:a16="http://schemas.microsoft.com/office/drawing/2014/main" id="{7C5C73A5-CA8F-AB2E-CCD5-DF7C17063746}"/>
+                </a:ext>
+              </a:extLst>
+            </p:cNvPr>
+            <p:cNvPicPr>
+              <a:picLocks noChangeAspect="1"/>
+            </p:cNvPicPr>
+            <p:nvPr>
+              <p:custDataLst>
+                <p:tags r:id="rId2"/>
+              </p:custDataLst>
+            </p:nvPr>
+          </p:nvPicPr>
+          <p:blipFill>
+            <a:blip r:embed="rId10">
+              <a:extLst>
+                <a:ext uri="{28A0092B-C50C-407E-A947-70E740481C1C}">
+                  <a14:useLocalDpi xmlns:a14="http://schemas.microsoft.com/office/drawing/2010/main" val="0"/>
+                </a:ext>
+              </a:extLst>
+            </a:blip>
+            <a:stretch>
+              <a:fillRect/>
+            </a:stretch>
+          </p:blipFill>
+          <p:spPr>
+            <a:xfrm>
+              <a:off x="2062624" y="988344"/>
+              <a:ext cx="362057" cy="224914"/>
+            </a:xfrm>
+            <a:prstGeom prst="rect">
+              <a:avLst/>
+            </a:prstGeom>
+          </p:spPr>
+        </p:pic>
+        <p:pic>
+          <p:nvPicPr>
+            <p:cNvPr id="28" name="Picture 27" descr="\documentclass{article}&#10;\usepackage{amsmath}&#10;\pagestyle{empty}&#10;\begin{document}&#10;\begin{align}&#10;q\nonumber&#10;\end{align}&#10;\end{document}" title="IguanaTex Bitmap Display">
+              <a:extLst>
+                <a:ext uri="{FF2B5EF4-FFF2-40B4-BE49-F238E27FC236}">
+                  <a16:creationId xmlns:a16="http://schemas.microsoft.com/office/drawing/2014/main" id="{B9B34C43-EA60-4BFF-90D0-F86E6D7BAFC1}"/>
+                </a:ext>
+              </a:extLst>
+            </p:cNvPr>
+            <p:cNvPicPr>
+              <a:picLocks noChangeAspect="1"/>
+            </p:cNvPicPr>
+            <p:nvPr>
+              <p:custDataLst>
+                <p:tags r:id="rId3"/>
+              </p:custDataLst>
+            </p:nvPr>
+          </p:nvPicPr>
+          <p:blipFill>
+            <a:blip r:embed="rId11">
+              <a:extLst>
+                <a:ext uri="{28A0092B-C50C-407E-A947-70E740481C1C}">
+                  <a14:useLocalDpi xmlns:a14="http://schemas.microsoft.com/office/drawing/2010/main" val="0"/>
+                </a:ext>
+              </a:extLst>
+            </a:blip>
+            <a:stretch>
+              <a:fillRect/>
+            </a:stretch>
+          </p:blipFill>
+          <p:spPr>
+            <a:xfrm>
+              <a:off x="4192806" y="1087118"/>
+              <a:ext cx="98743" cy="142628"/>
+            </a:xfrm>
+            <a:prstGeom prst="rect">
+              <a:avLst/>
+            </a:prstGeom>
+          </p:spPr>
+        </p:pic>
+        <mc:AlternateContent xmlns:mc="http://schemas.openxmlformats.org/markup-compatibility/2006">
+          <mc:Choice xmlns:a14="http://schemas.microsoft.com/office/drawing/2010/main" Requires="a14">
+            <p:sp>
+              <p:nvSpPr>
+                <p:cNvPr id="29" name="TextBox 28">
+                  <a:extLst>
+                    <a:ext uri="{FF2B5EF4-FFF2-40B4-BE49-F238E27FC236}">
+                      <a16:creationId xmlns:a16="http://schemas.microsoft.com/office/drawing/2014/main" id="{EA603EF5-A73F-7998-306D-F596EBCA5B75}"/>
+                    </a:ext>
+                  </a:extLst>
+                </p:cNvPr>
+                <p:cNvSpPr txBox="1">
+                  <a:spLocks/>
+                </p:cNvSpPr>
+                <p:nvPr/>
+              </p:nvSpPr>
+              <p:spPr>
+                <a:xfrm>
+                  <a:off x="1136928" y="1387792"/>
+                  <a:ext cx="176459" cy="259495"/>
+                </a:xfrm>
+                <a:prstGeom prst="rect">
+                  <a:avLst/>
+                </a:prstGeom>
+                <a:noFill/>
+              </p:spPr>
+              <p:txBody>
+                <a:bodyPr wrap="none" lIns="0" tIns="0" rIns="0" bIns="0" rtlCol="0">
+                  <a:spAutoFit/>
+                </a:bodyPr>
+                <a:lstStyle/>
+                <a:p>
+                  <a:pPr/>
+                  <a14:m>
+                    <m:oMathPara xmlns:m="http://schemas.openxmlformats.org/officeDocument/2006/math">
+                      <m:oMathParaPr>
+                        <m:jc m:val="centerGroup"/>
+                      </m:oMathParaPr>
+                      <m:oMath xmlns:m="http://schemas.openxmlformats.org/officeDocument/2006/math">
+                        <m:acc>
+                          <m:accPr>
+                            <m:chr m:val="̂"/>
+                            <m:ctrlPr>
+                              <a:rPr lang="en-US" sz="1600" i="1" smtClean="0">
+                                <a:solidFill>
+                                  <a:srgbClr val="2D0AFE"/>
+                                </a:solidFill>
+                                <a:latin typeface="Cambria Math" panose="02040503050406030204" pitchFamily="18" charset="0"/>
+                              </a:rPr>
+                            </m:ctrlPr>
+                          </m:accPr>
+                          <m:e>
+                            <m:r>
+                              <a:rPr lang="en-US" sz="1600" b="0" i="1" smtClean="0">
+                                <a:solidFill>
+                                  <a:srgbClr val="2D0AFE"/>
+                                </a:solidFill>
+                                <a:latin typeface="Cambria Math" panose="02040503050406030204" pitchFamily="18" charset="0"/>
+                              </a:rPr>
+                              <m:t>𝑑</m:t>
+                            </m:r>
+                          </m:e>
+                        </m:acc>
+                      </m:oMath>
+                    </m:oMathPara>
+                  </a14:m>
+                  <a:endParaRPr lang="en-US" sz="1600" dirty="0">
+                    <a:solidFill>
+                      <a:srgbClr val="2D0AFE"/>
+                    </a:solidFill>
+                    <a:latin typeface="Times New Roman" panose="02020603050405020304" pitchFamily="18" charset="0"/>
+                    <a:cs typeface="Times New Roman" panose="02020603050405020304" pitchFamily="18" charset="0"/>
+                  </a:endParaRPr>
+                </a:p>
+              </p:txBody>
+            </p:sp>
+          </mc:Choice>
+          <mc:Fallback>
+            <p:sp>
+              <p:nvSpPr>
+                <p:cNvPr id="29" name="TextBox 28">
+                  <a:extLst>
+                    <a:ext uri="{FF2B5EF4-FFF2-40B4-BE49-F238E27FC236}">
+                      <a16:creationId xmlns:a16="http://schemas.microsoft.com/office/drawing/2014/main" id="{EA603EF5-A73F-7998-306D-F596EBCA5B75}"/>
+                    </a:ext>
+                  </a:extLst>
+                </p:cNvPr>
+                <p:cNvSpPr txBox="1">
+                  <a:spLocks noRot="1" noChangeAspect="1" noMove="1" noResize="1" noEditPoints="1" noAdjustHandles="1" noChangeArrowheads="1" noChangeShapeType="1" noTextEdit="1"/>
+                </p:cNvSpPr>
+                <p:nvPr/>
+              </p:nvSpPr>
+              <p:spPr>
+                <a:xfrm>
+                  <a:off x="1136928" y="1387792"/>
+                  <a:ext cx="176459" cy="259495"/>
+                </a:xfrm>
+                <a:prstGeom prst="rect">
+                  <a:avLst/>
+                </a:prstGeom>
+                <a:blipFill>
+                  <a:blip r:embed="rId12"/>
+                  <a:stretch>
+                    <a:fillRect l="-28571" t="-19048" r="-82143" b="-9524"/>
+                  </a:stretch>
+                </a:blipFill>
+              </p:spPr>
+              <p:txBody>
+                <a:bodyPr/>
+                <a:lstStyle/>
+                <a:p>
+                  <a:r>
+                    <a:rPr lang="zh-CN" altLang="en-US">
+                      <a:noFill/>
+                    </a:rPr>
+                    <a:t> </a:t>
+                  </a:r>
+                </a:p>
+              </p:txBody>
+            </p:sp>
+          </mc:Fallback>
+        </mc:AlternateContent>
+        <p:cxnSp>
+          <p:nvCxnSpPr>
+            <p:cNvPr id="30" name="Connector: Elbow 29">
+              <a:extLst>
+                <a:ext uri="{FF2B5EF4-FFF2-40B4-BE49-F238E27FC236}">
+                  <a16:creationId xmlns:a16="http://schemas.microsoft.com/office/drawing/2014/main" id="{DD3195F5-827E-6584-B2C3-AC2B7B22575D}"/>
+                </a:ext>
+              </a:extLst>
+            </p:cNvPr>
+            <p:cNvCxnSpPr>
+              <a:cxnSpLocks/>
+            </p:cNvCxnSpPr>
+            <p:nvPr/>
+          </p:nvCxnSpPr>
+          <p:spPr>
+            <a:xfrm rot="5400000" flipH="1" flipV="1">
+              <a:off x="1074439" y="1406500"/>
+              <a:ext cx="288000" cy="180000"/>
+            </a:xfrm>
+            <a:prstGeom prst="bentConnector2">
+              <a:avLst/>
+            </a:prstGeom>
+            <a:ln w="28575">
+              <a:solidFill>
+                <a:srgbClr val="2D0AFE"/>
+              </a:solidFill>
+              <a:tailEnd type="triangle"/>
+            </a:ln>
+          </p:spPr>
+          <p:style>
+            <a:lnRef idx="1">
+              <a:schemeClr val="dk1"/>
+            </a:lnRef>
+            <a:fillRef idx="0">
+              <a:schemeClr val="dk1"/>
+            </a:fillRef>
+            <a:effectRef idx="0">
+              <a:schemeClr val="dk1"/>
+            </a:effectRef>
+            <a:fontRef idx="minor">
+              <a:schemeClr val="tx1"/>
+            </a:fontRef>
+          </p:style>
+        </p:cxnSp>
+        <p:cxnSp>
+          <p:nvCxnSpPr>
+            <p:cNvPr id="31" name="Straight Connector 30">
+              <a:extLst>
+                <a:ext uri="{FF2B5EF4-FFF2-40B4-BE49-F238E27FC236}">
+                  <a16:creationId xmlns:a16="http://schemas.microsoft.com/office/drawing/2014/main" id="{CE583FDC-6F72-3A33-E42C-9AB22180513E}"/>
+                </a:ext>
+              </a:extLst>
+            </p:cNvPr>
+            <p:cNvCxnSpPr>
+              <a:cxnSpLocks/>
+              <a:stCxn id="17" idx="1"/>
+            </p:cNvCxnSpPr>
+            <p:nvPr/>
+          </p:nvCxnSpPr>
+          <p:spPr>
+            <a:xfrm flipH="1">
+              <a:off x="1128439" y="1654074"/>
+              <a:ext cx="165858" cy="0"/>
+            </a:xfrm>
+            <a:prstGeom prst="line">
+              <a:avLst/>
+            </a:prstGeom>
+            <a:ln w="28575">
+              <a:solidFill>
+                <a:srgbClr val="2D0AFE"/>
+              </a:solidFill>
+            </a:ln>
+          </p:spPr>
+          <p:style>
+            <a:lnRef idx="1">
+              <a:schemeClr val="dk1"/>
+            </a:lnRef>
+            <a:fillRef idx="0">
+              <a:schemeClr val="dk1"/>
+            </a:fillRef>
+            <a:effectRef idx="0">
+              <a:schemeClr val="dk1"/>
+            </a:effectRef>
+            <a:fontRef idx="minor">
+              <a:schemeClr val="tx1"/>
+            </a:fontRef>
+          </p:style>
+        </p:cxnSp>
+        <p:cxnSp>
+          <p:nvCxnSpPr>
+            <p:cNvPr id="32" name="Connector: Elbow 31">
+              <a:extLst>
+                <a:ext uri="{FF2B5EF4-FFF2-40B4-BE49-F238E27FC236}">
+                  <a16:creationId xmlns:a16="http://schemas.microsoft.com/office/drawing/2014/main" id="{C3CF2795-BCA4-6BC3-5777-FEFA1828D27B}"/>
+                </a:ext>
+              </a:extLst>
+            </p:cNvPr>
+            <p:cNvCxnSpPr>
+              <a:cxnSpLocks/>
+            </p:cNvCxnSpPr>
+            <p:nvPr/>
+          </p:nvCxnSpPr>
+          <p:spPr>
+            <a:xfrm rot="5400000">
+              <a:off x="1857600" y="1353285"/>
+              <a:ext cx="374778" cy="157371"/>
+            </a:xfrm>
+            <a:prstGeom prst="bentConnector3">
+              <a:avLst>
+                <a:gd name="adj1" fmla="val 98797"/>
+              </a:avLst>
+            </a:prstGeom>
+            <a:ln w="28575">
+              <a:solidFill>
+                <a:srgbClr val="2D0AFE"/>
+              </a:solidFill>
+              <a:tailEnd type="triangle"/>
+            </a:ln>
+          </p:spPr>
+          <p:style>
+            <a:lnRef idx="1">
+              <a:schemeClr val="accent1"/>
+            </a:lnRef>
+            <a:fillRef idx="0">
+              <a:schemeClr val="accent1"/>
+            </a:fillRef>
+            <a:effectRef idx="0">
+              <a:schemeClr val="accent1"/>
+            </a:effectRef>
+            <a:fontRef idx="minor">
+              <a:schemeClr val="tx1"/>
+            </a:fontRef>
+          </p:style>
+        </p:cxnSp>
+        <p:sp>
+          <p:nvSpPr>
+            <p:cNvPr id="56" name="矩形 55">
+              <a:extLst>
+                <a:ext uri="{FF2B5EF4-FFF2-40B4-BE49-F238E27FC236}">
+                  <a16:creationId xmlns:a16="http://schemas.microsoft.com/office/drawing/2014/main" id="{D2A09825-3D21-F6E7-2D81-91CEA34816E8}"/>
+                </a:ext>
+              </a:extLst>
+            </p:cNvPr>
+            <p:cNvSpPr/>
+            <p:nvPr/>
+          </p:nvSpPr>
+          <p:spPr>
+            <a:xfrm>
+              <a:off x="2509182" y="983374"/>
+              <a:ext cx="541832" cy="560620"/>
+            </a:xfrm>
+            <a:prstGeom prst="rect">
+              <a:avLst/>
+            </a:prstGeom>
+            <a:noFill/>
+            <a:ln>
+              <a:solidFill>
+                <a:schemeClr val="accent6"/>
+              </a:solidFill>
+              <a:prstDash val="sysDash"/>
+            </a:ln>
+          </p:spPr>
+          <p:style>
+            <a:lnRef idx="2">
+              <a:schemeClr val="accent1">
+                <a:shade val="15000"/>
+              </a:schemeClr>
+            </a:lnRef>
+            <a:fillRef idx="1">
+              <a:schemeClr val="accent1"/>
+            </a:fillRef>
+            <a:effectRef idx="0">
+              <a:schemeClr val="accent1"/>
+            </a:effectRef>
+            <a:fontRef idx="minor">
+              <a:schemeClr val="lt1"/>
+            </a:fontRef>
+          </p:style>
+          <p:txBody>
+            <a:bodyPr rtlCol="0" anchor="ctr"/>
+            <a:lstStyle/>
+            <a:p>
+              <a:pPr algn="ctr"/>
+              <a:r>
+                <a:rPr lang="en-US" altLang="zh-CN" sz="1200" dirty="0">
+                  <a:solidFill>
+                    <a:srgbClr val="00B050"/>
+                  </a:solidFill>
+                  <a:latin typeface="Times New Roman" panose="02020603050405020304" pitchFamily="18" charset="0"/>
+                  <a:cs typeface="Times New Roman" panose="02020603050405020304" pitchFamily="18" charset="0"/>
+                </a:rPr>
+                <a:t>Inner loop</a:t>
+              </a:r>
+              <a:endParaRPr lang="zh-CN" altLang="en-US" sz="1200" dirty="0">
+                <a:solidFill>
+                  <a:srgbClr val="00B050"/>
+                </a:solidFill>
+                <a:latin typeface="Times New Roman" panose="02020603050405020304" pitchFamily="18" charset="0"/>
+                <a:cs typeface="Times New Roman" panose="02020603050405020304" pitchFamily="18" charset="0"/>
+              </a:endParaRPr>
+            </a:p>
+          </p:txBody>
+        </p:sp>
+        <p:cxnSp>
+          <p:nvCxnSpPr>
+            <p:cNvPr id="63" name="Straight Arrow Connector 24">
+              <a:extLst>
+                <a:ext uri="{FF2B5EF4-FFF2-40B4-BE49-F238E27FC236}">
+                  <a16:creationId xmlns:a16="http://schemas.microsoft.com/office/drawing/2014/main" id="{3F2234E7-3185-3715-DFE4-C014CC0DEE78}"/>
+                </a:ext>
+              </a:extLst>
+            </p:cNvPr>
+            <p:cNvCxnSpPr>
+              <a:cxnSpLocks/>
+            </p:cNvCxnSpPr>
+            <p:nvPr/>
+          </p:nvCxnSpPr>
+          <p:spPr>
+            <a:xfrm>
+              <a:off x="3051014" y="1261922"/>
+              <a:ext cx="360000" cy="2"/>
+            </a:xfrm>
+            <a:prstGeom prst="straightConnector1">
+              <a:avLst/>
+            </a:prstGeom>
+            <a:ln w="28575">
+              <a:solidFill>
+                <a:schemeClr val="tx1"/>
+              </a:solidFill>
+              <a:tailEnd type="triangle"/>
+            </a:ln>
+          </p:spPr>
+          <p:style>
+            <a:lnRef idx="1">
+              <a:schemeClr val="accent1"/>
+            </a:lnRef>
+            <a:fillRef idx="0">
+              <a:schemeClr val="accent1"/>
+            </a:fillRef>
+            <a:effectRef idx="0">
+              <a:schemeClr val="accent1"/>
+            </a:effectRef>
+            <a:fontRef idx="minor">
+              <a:schemeClr val="tx1"/>
+            </a:fontRef>
+          </p:style>
+        </p:cxnSp>
+        <p:grpSp>
+          <p:nvGrpSpPr>
+            <p:cNvPr id="85" name="组合 84">
+              <a:extLst>
+                <a:ext uri="{FF2B5EF4-FFF2-40B4-BE49-F238E27FC236}">
+                  <a16:creationId xmlns:a16="http://schemas.microsoft.com/office/drawing/2014/main" id="{CD565DED-E167-69C2-C9DE-B994691B08A0}"/>
+                </a:ext>
+              </a:extLst>
+            </p:cNvPr>
+            <p:cNvGrpSpPr/>
+            <p:nvPr/>
+          </p:nvGrpSpPr>
+          <p:grpSpPr>
+            <a:xfrm>
+              <a:off x="907041" y="1994200"/>
+              <a:ext cx="3204282" cy="1003237"/>
+              <a:chOff x="2163363" y="-664462"/>
+              <a:chExt cx="3204282" cy="1003237"/>
+            </a:xfrm>
+          </p:grpSpPr>
+          <p:cxnSp>
+            <p:nvCxnSpPr>
+              <p:cNvPr id="11" name="Straight Arrow Connector 10">
+                <a:extLst>
+                  <a:ext uri="{FF2B5EF4-FFF2-40B4-BE49-F238E27FC236}">
+                    <a16:creationId xmlns:a16="http://schemas.microsoft.com/office/drawing/2014/main" id="{FAEA41DC-80A3-01DB-173D-9652104B02E8}"/>
+                  </a:ext>
+                </a:extLst>
+              </p:cNvPr>
+              <p:cNvCxnSpPr>
+                <a:cxnSpLocks/>
+              </p:cNvCxnSpPr>
+              <p:nvPr/>
+            </p:nvCxnSpPr>
+            <p:spPr>
+              <a:xfrm>
+                <a:off x="4914742" y="-396975"/>
+                <a:ext cx="376586" cy="488"/>
+              </a:xfrm>
+              <a:prstGeom prst="straightConnector1">
+                <a:avLst/>
+              </a:prstGeom>
+              <a:ln w="28575">
+                <a:solidFill>
+                  <a:schemeClr val="tx1"/>
+                </a:solidFill>
+                <a:tailEnd type="triangle"/>
+              </a:ln>
+            </p:spPr>
+            <p:style>
+              <a:lnRef idx="1">
+                <a:schemeClr val="accent1"/>
+              </a:lnRef>
+              <a:fillRef idx="0">
+                <a:schemeClr val="accent1"/>
+              </a:fillRef>
+              <a:effectRef idx="0">
+                <a:schemeClr val="accent1"/>
+              </a:effectRef>
+              <a:fontRef idx="minor">
+                <a:schemeClr val="tx1"/>
+              </a:fontRef>
+            </p:style>
+          </p:cxnSp>
+          <p:sp>
+            <p:nvSpPr>
+              <p:cNvPr id="46" name="TextBox 7">
+                <a:extLst>
+                  <a:ext uri="{FF2B5EF4-FFF2-40B4-BE49-F238E27FC236}">
+                    <a16:creationId xmlns:a16="http://schemas.microsoft.com/office/drawing/2014/main" id="{C89781C3-77B2-5257-3A32-40BCB925A6ED}"/>
+                  </a:ext>
+                </a:extLst>
+              </p:cNvPr>
+              <p:cNvSpPr txBox="1">
+                <a:spLocks/>
+              </p:cNvSpPr>
+              <p:nvPr/>
+            </p:nvSpPr>
+            <p:spPr>
+              <a:xfrm>
+                <a:off x="4100177" y="-594380"/>
+                <a:ext cx="814565" cy="461665"/>
+              </a:xfrm>
+              <a:prstGeom prst="rect">
+                <a:avLst/>
+              </a:prstGeom>
+              <a:noFill/>
+              <a:ln>
+                <a:solidFill>
+                  <a:schemeClr val="tx1"/>
+                </a:solidFill>
+              </a:ln>
+            </p:spPr>
+            <p:txBody>
+              <a:bodyPr wrap="square" rtlCol="0">
+                <a:spAutoFit/>
+              </a:bodyPr>
+              <a:lstStyle/>
+              <a:p>
+                <a:pPr algn="ctr"/>
+                <a:r>
+                  <a:rPr lang="en-US" sz="1200" dirty="0">
+                    <a:latin typeface="Times New Roman" panose="02020603050405020304" pitchFamily="18" charset="0"/>
+                    <a:cs typeface="Times New Roman" panose="02020603050405020304" pitchFamily="18" charset="0"/>
+                  </a:rPr>
+                  <a:t>Pressure Controller</a:t>
+                </a:r>
+              </a:p>
+            </p:txBody>
+          </p:sp>
+          <p:cxnSp>
+            <p:nvCxnSpPr>
+              <p:cNvPr id="47" name="Straight Arrow Connector 9">
+                <a:extLst>
+                  <a:ext uri="{FF2B5EF4-FFF2-40B4-BE49-F238E27FC236}">
+                    <a16:creationId xmlns:a16="http://schemas.microsoft.com/office/drawing/2014/main" id="{03C586AA-9D4F-5B0F-7788-47B6F037F772}"/>
+                  </a:ext>
+                </a:extLst>
+              </p:cNvPr>
+              <p:cNvCxnSpPr>
+                <a:cxnSpLocks/>
+                <a:stCxn id="53" idx="3"/>
+                <a:endCxn id="46" idx="1"/>
+              </p:cNvCxnSpPr>
+              <p:nvPr/>
+            </p:nvCxnSpPr>
+            <p:spPr>
+              <a:xfrm>
+                <a:off x="3718992" y="-363547"/>
+                <a:ext cx="381185" cy="0"/>
+              </a:xfrm>
+              <a:prstGeom prst="straightConnector1">
+                <a:avLst/>
+              </a:prstGeom>
+              <a:ln w="28575">
+                <a:solidFill>
+                  <a:schemeClr val="tx1"/>
+                </a:solidFill>
+                <a:tailEnd type="triangle"/>
+              </a:ln>
+            </p:spPr>
+            <p:style>
+              <a:lnRef idx="1">
+                <a:schemeClr val="accent1"/>
+              </a:lnRef>
+              <a:fillRef idx="0">
+                <a:schemeClr val="accent1"/>
+              </a:fillRef>
+              <a:effectRef idx="0">
+                <a:schemeClr val="accent1"/>
+              </a:effectRef>
+              <a:fontRef idx="minor">
+                <a:schemeClr val="tx1"/>
+              </a:fontRef>
+            </p:style>
+          </p:cxnSp>
+          <p:pic>
+            <p:nvPicPr>
+              <p:cNvPr id="48" name="Picture 18" descr="\documentclass{article}&#10;\usepackage{amsmath}&#10;\pagestyle{empty}&#10;\begin{document}&#10;\begin{align}&#10;p_d\nonumber&#10;\end{align}&#10;\end{document}" title="IguanaTex Bitmap Display">
+                <a:extLst>
+                  <a:ext uri="{FF2B5EF4-FFF2-40B4-BE49-F238E27FC236}">
+                    <a16:creationId xmlns:a16="http://schemas.microsoft.com/office/drawing/2014/main" id="{10B62D9F-BFB5-7F2D-6048-A270F5EB76FC}"/>
+                  </a:ext>
+                </a:extLst>
+              </p:cNvPr>
+              <p:cNvPicPr>
+                <a:picLocks noChangeAspect="1"/>
+              </p:cNvPicPr>
+              <p:nvPr>
+                <p:custDataLst>
+                  <p:tags r:id="rId5"/>
+                </p:custDataLst>
+              </p:nvPr>
+            </p:nvPicPr>
+            <p:blipFill>
+              <a:blip r:embed="rId13">
+                <a:extLst>
+                  <a:ext uri="{28A0092B-C50C-407E-A947-70E740481C1C}">
+                    <a14:useLocalDpi xmlns:a14="http://schemas.microsoft.com/office/drawing/2010/main" val="0"/>
+                  </a:ext>
+                </a:extLst>
+              </a:blip>
+              <a:stretch>
+                <a:fillRect/>
+              </a:stretch>
+            </p:blipFill>
+            <p:spPr>
+              <a:xfrm>
+                <a:off x="3810949" y="-571143"/>
+                <a:ext cx="219428" cy="142629"/>
+              </a:xfrm>
+              <a:prstGeom prst="rect">
+                <a:avLst/>
+              </a:prstGeom>
+            </p:spPr>
+          </p:pic>
+          <p:pic>
+            <p:nvPicPr>
+              <p:cNvPr id="49" name="Picture 19" descr="\documentclass{article}&#10;\usepackage{amsmath}&#10;\pagestyle{empty}&#10;\begin{document}&#10;\begin{align}&#10;p_m\nonumber&#10;\end{align}&#10;\end{document}" title="IguanaTex Bitmap Display">
+                <a:extLst>
+                  <a:ext uri="{FF2B5EF4-FFF2-40B4-BE49-F238E27FC236}">
+                    <a16:creationId xmlns:a16="http://schemas.microsoft.com/office/drawing/2014/main" id="{E4167BF5-5CFF-B24E-10BB-02866AE8CD2F}"/>
+                  </a:ext>
+                </a:extLst>
+              </p:cNvPr>
+              <p:cNvPicPr>
+                <a:picLocks noChangeAspect="1"/>
+              </p:cNvPicPr>
+              <p:nvPr>
+                <p:custDataLst>
+                  <p:tags r:id="rId6"/>
+                </p:custDataLst>
+              </p:nvPr>
+            </p:nvPicPr>
+            <p:blipFill>
+              <a:blip r:embed="rId14">
+                <a:extLst>
+                  <a:ext uri="{28A0092B-C50C-407E-A947-70E740481C1C}">
+                    <a14:useLocalDpi xmlns:a14="http://schemas.microsoft.com/office/drawing/2010/main" val="0"/>
+                  </a:ext>
+                </a:extLst>
+              </a:blip>
+              <a:stretch>
+                <a:fillRect/>
+              </a:stretch>
+            </p:blipFill>
+            <p:spPr>
+              <a:xfrm>
+                <a:off x="5082388" y="-600176"/>
+                <a:ext cx="285257" cy="142629"/>
+              </a:xfrm>
+              <a:prstGeom prst="rect">
+                <a:avLst/>
+              </a:prstGeom>
+            </p:spPr>
+          </p:pic>
+          <p:cxnSp>
+            <p:nvCxnSpPr>
+              <p:cNvPr id="50" name="Straight Arrow Connector 21">
+                <a:extLst>
+                  <a:ext uri="{FF2B5EF4-FFF2-40B4-BE49-F238E27FC236}">
+                    <a16:creationId xmlns:a16="http://schemas.microsoft.com/office/drawing/2014/main" id="{B2666CB1-D1BE-4A97-E8CE-A6E907FD56E0}"/>
+                  </a:ext>
+                </a:extLst>
+              </p:cNvPr>
+              <p:cNvCxnSpPr>
+                <a:cxnSpLocks/>
+                <a:endCxn id="46" idx="2"/>
+              </p:cNvCxnSpPr>
+              <p:nvPr/>
+            </p:nvCxnSpPr>
+            <p:spPr>
+              <a:xfrm flipV="1">
+                <a:off x="4507460" y="-132715"/>
+                <a:ext cx="0" cy="207564"/>
+              </a:xfrm>
+              <a:prstGeom prst="straightConnector1">
+                <a:avLst/>
+              </a:prstGeom>
+              <a:ln w="28575">
+                <a:solidFill>
+                  <a:schemeClr val="tx1"/>
+                </a:solidFill>
+                <a:tailEnd type="triangle"/>
+              </a:ln>
+            </p:spPr>
+            <p:style>
+              <a:lnRef idx="1">
+                <a:schemeClr val="accent1"/>
+              </a:lnRef>
+              <a:fillRef idx="0">
+                <a:schemeClr val="accent1"/>
+              </a:fillRef>
+              <a:effectRef idx="0">
+                <a:schemeClr val="accent1"/>
+              </a:effectRef>
+              <a:fontRef idx="minor">
+                <a:schemeClr val="tx1"/>
+              </a:fontRef>
+            </p:style>
+          </p:cxnSp>
+          <p:cxnSp>
+            <p:nvCxnSpPr>
+              <p:cNvPr id="51" name="Straight Connector 22">
+                <a:extLst>
+                  <a:ext uri="{FF2B5EF4-FFF2-40B4-BE49-F238E27FC236}">
+                    <a16:creationId xmlns:a16="http://schemas.microsoft.com/office/drawing/2014/main" id="{8EEED1A2-8C9B-FAC6-821F-D6C9CAE92EAE}"/>
+                  </a:ext>
+                </a:extLst>
+              </p:cNvPr>
+              <p:cNvCxnSpPr>
+                <a:cxnSpLocks/>
+              </p:cNvCxnSpPr>
+              <p:nvPr/>
+            </p:nvCxnSpPr>
+            <p:spPr>
+              <a:xfrm flipV="1">
+                <a:off x="4991663" y="-395601"/>
+                <a:ext cx="0" cy="470450"/>
+              </a:xfrm>
+              <a:prstGeom prst="line">
+                <a:avLst/>
+              </a:prstGeom>
+              <a:ln w="28575"/>
+            </p:spPr>
+            <p:style>
+              <a:lnRef idx="1">
+                <a:schemeClr val="dk1"/>
+              </a:lnRef>
+              <a:fillRef idx="0">
+                <a:schemeClr val="dk1"/>
+              </a:fillRef>
+              <a:effectRef idx="0">
+                <a:schemeClr val="dk1"/>
+              </a:effectRef>
+              <a:fontRef idx="minor">
+                <a:schemeClr val="tx1"/>
+              </a:fontRef>
+            </p:style>
+          </p:cxnSp>
+          <p:cxnSp>
+            <p:nvCxnSpPr>
+              <p:cNvPr id="52" name="Straight Connector 23">
+                <a:extLst>
+                  <a:ext uri="{FF2B5EF4-FFF2-40B4-BE49-F238E27FC236}">
+                    <a16:creationId xmlns:a16="http://schemas.microsoft.com/office/drawing/2014/main" id="{3F2F806D-26F7-D2BA-B171-D23ABFDF93CB}"/>
+                  </a:ext>
+                </a:extLst>
+              </p:cNvPr>
+              <p:cNvCxnSpPr>
+                <a:cxnSpLocks/>
+              </p:cNvCxnSpPr>
+              <p:nvPr/>
+            </p:nvCxnSpPr>
+            <p:spPr>
+              <a:xfrm flipH="1">
+                <a:off x="4507460" y="74849"/>
+                <a:ext cx="484203" cy="1697"/>
+              </a:xfrm>
+              <a:prstGeom prst="line">
+                <a:avLst/>
+              </a:prstGeom>
+              <a:ln w="28575"/>
+            </p:spPr>
+            <p:style>
+              <a:lnRef idx="1">
+                <a:schemeClr val="dk1"/>
+              </a:lnRef>
+              <a:fillRef idx="0">
+                <a:schemeClr val="dk1"/>
+              </a:fillRef>
+              <a:effectRef idx="0">
+                <a:schemeClr val="dk1"/>
+              </a:effectRef>
+              <a:fontRef idx="minor">
+                <a:schemeClr val="tx1"/>
+              </a:fontRef>
+            </p:style>
+          </p:cxnSp>
+          <p:sp>
+            <p:nvSpPr>
+              <p:cNvPr id="53" name="TextBox 25">
+                <a:extLst>
+                  <a:ext uri="{FF2B5EF4-FFF2-40B4-BE49-F238E27FC236}">
+                    <a16:creationId xmlns:a16="http://schemas.microsoft.com/office/drawing/2014/main" id="{4DB18EF1-0421-6A97-F132-F345535806A3}"/>
+                  </a:ext>
+                </a:extLst>
+              </p:cNvPr>
+              <p:cNvSpPr txBox="1">
+                <a:spLocks/>
+              </p:cNvSpPr>
+              <p:nvPr/>
+            </p:nvSpPr>
+            <p:spPr>
+              <a:xfrm>
+                <a:off x="2670047" y="-594380"/>
+                <a:ext cx="1048945" cy="461665"/>
+              </a:xfrm>
+              <a:prstGeom prst="rect">
+                <a:avLst/>
+              </a:prstGeom>
+              <a:noFill/>
+              <a:ln>
+                <a:solidFill>
+                  <a:schemeClr val="tx1"/>
+                </a:solidFill>
+              </a:ln>
+            </p:spPr>
+            <p:txBody>
+              <a:bodyPr wrap="square" rtlCol="0">
+                <a:spAutoFit/>
+              </a:bodyPr>
+              <a:lstStyle/>
+              <a:p>
+                <a:pPr algn="ctr"/>
+                <a:r>
+                  <a:rPr lang="en-US" sz="1200" dirty="0">
+                    <a:latin typeface="Times New Roman" panose="02020603050405020304" pitchFamily="18" charset="0"/>
+                    <a:cs typeface="Times New Roman" panose="02020603050405020304" pitchFamily="18" charset="0"/>
+                  </a:rPr>
+                  <a:t>Torque/Force Controller</a:t>
+                </a:r>
+              </a:p>
+            </p:txBody>
+          </p:sp>
+          <p:sp>
+            <p:nvSpPr>
+              <p:cNvPr id="54" name="Rectangle 32">
+                <a:extLst>
+                  <a:ext uri="{FF2B5EF4-FFF2-40B4-BE49-F238E27FC236}">
+                    <a16:creationId xmlns:a16="http://schemas.microsoft.com/office/drawing/2014/main" id="{E5863C2B-804F-A81A-D75B-9BA6F659133D}"/>
+                  </a:ext>
+                </a:extLst>
+              </p:cNvPr>
+              <p:cNvSpPr>
+                <a:spLocks/>
+              </p:cNvSpPr>
+              <p:nvPr/>
+            </p:nvSpPr>
+            <p:spPr>
+              <a:xfrm>
+                <a:off x="2560320" y="-664462"/>
+                <a:ext cx="2487168" cy="938777"/>
+              </a:xfrm>
+              <a:prstGeom prst="rect">
+                <a:avLst/>
+              </a:prstGeom>
+              <a:noFill/>
+              <a:ln>
+                <a:solidFill>
+                  <a:srgbClr val="00B050"/>
+                </a:solidFill>
+                <a:prstDash val="sysDash"/>
+              </a:ln>
+            </p:spPr>
+            <p:style>
+              <a:lnRef idx="2">
+                <a:schemeClr val="accent1">
+                  <a:shade val="15000"/>
+                </a:schemeClr>
+              </a:lnRef>
+              <a:fillRef idx="1">
+                <a:schemeClr val="accent1"/>
+              </a:fillRef>
+              <a:effectRef idx="0">
+                <a:schemeClr val="accent1"/>
+              </a:effectRef>
+              <a:fontRef idx="minor">
+                <a:schemeClr val="lt1"/>
+              </a:fontRef>
+            </p:style>
+            <p:txBody>
+              <a:bodyPr rtlCol="0" anchor="ctr"/>
+              <a:lstStyle/>
+              <a:p>
+                <a:pPr algn="ctr"/>
+                <a:endParaRPr lang="en-US" sz="1200">
+                  <a:latin typeface="Times New Roman" panose="02020603050405020304" pitchFamily="18" charset="0"/>
+                  <a:cs typeface="Times New Roman" panose="02020603050405020304" pitchFamily="18" charset="0"/>
+                </a:endParaRPr>
+              </a:p>
+            </p:txBody>
+          </p:sp>
+          <p:sp>
+            <p:nvSpPr>
+              <p:cNvPr id="55" name="TextBox 33">
+                <a:extLst>
+                  <a:ext uri="{FF2B5EF4-FFF2-40B4-BE49-F238E27FC236}">
+                    <a16:creationId xmlns:a16="http://schemas.microsoft.com/office/drawing/2014/main" id="{4C4F4A50-17DA-2C25-C684-0FE04DE1AC1A}"/>
+                  </a:ext>
+                </a:extLst>
+              </p:cNvPr>
+              <p:cNvSpPr txBox="1">
+                <a:spLocks/>
+              </p:cNvSpPr>
+              <p:nvPr/>
+            </p:nvSpPr>
+            <p:spPr>
+              <a:xfrm>
+                <a:off x="2922008" y="-122890"/>
+                <a:ext cx="545022" cy="461665"/>
+              </a:xfrm>
+              <a:prstGeom prst="rect">
+                <a:avLst/>
+              </a:prstGeom>
+              <a:noFill/>
+            </p:spPr>
+            <p:txBody>
+              <a:bodyPr wrap="square" rtlCol="0">
+                <a:spAutoFit/>
+              </a:bodyPr>
+              <a:lstStyle/>
+              <a:p>
+                <a:r>
+                  <a:rPr lang="en-US" sz="1200" dirty="0">
+                    <a:solidFill>
+                      <a:srgbClr val="00B050"/>
+                    </a:solidFill>
+                    <a:latin typeface="Times New Roman" panose="02020603050405020304" pitchFamily="18" charset="0"/>
+                    <a:cs typeface="Times New Roman" panose="02020603050405020304" pitchFamily="18" charset="0"/>
+                  </a:rPr>
+                  <a:t>Inner Loop</a:t>
+                </a:r>
+              </a:p>
+            </p:txBody>
+          </p:sp>
+          <p:cxnSp>
+            <p:nvCxnSpPr>
+              <p:cNvPr id="73" name="Straight Arrow Connector 24">
+                <a:extLst>
+                  <a:ext uri="{FF2B5EF4-FFF2-40B4-BE49-F238E27FC236}">
+                    <a16:creationId xmlns:a16="http://schemas.microsoft.com/office/drawing/2014/main" id="{80F9F4A5-F1B2-CB04-1DA4-F0D6141C2EA1}"/>
+                  </a:ext>
+                </a:extLst>
+              </p:cNvPr>
+              <p:cNvCxnSpPr>
+                <a:cxnSpLocks/>
+              </p:cNvCxnSpPr>
+              <p:nvPr/>
+            </p:nvCxnSpPr>
+            <p:spPr>
+              <a:xfrm>
+                <a:off x="2310047" y="-353142"/>
+                <a:ext cx="360000" cy="2"/>
+              </a:xfrm>
+              <a:prstGeom prst="straightConnector1">
+                <a:avLst/>
+              </a:prstGeom>
+              <a:ln w="28575">
+                <a:solidFill>
+                  <a:schemeClr val="tx1"/>
+                </a:solidFill>
+                <a:tailEnd type="triangle"/>
+              </a:ln>
+            </p:spPr>
+            <p:style>
+              <a:lnRef idx="1">
+                <a:schemeClr val="accent1"/>
+              </a:lnRef>
+              <a:fillRef idx="0">
+                <a:schemeClr val="accent1"/>
+              </a:fillRef>
+              <a:effectRef idx="0">
+                <a:schemeClr val="accent1"/>
+              </a:effectRef>
+              <a:fontRef idx="minor">
+                <a:schemeClr val="tx1"/>
+              </a:fontRef>
+            </p:style>
+          </p:cxnSp>
+          <p:pic>
+            <p:nvPicPr>
+              <p:cNvPr id="74" name="Picture 26" descr="\documentclass{article}&#10;\usepackage{amsmath}&#10;\pagestyle{empty}&#10;\begin{document}&#10;\begin{align}&#10;\tau/f\nonumber&#10;\end{align}&#10;\end{document}" title="IguanaTex Bitmap Display">
+                <a:extLst>
+                  <a:ext uri="{FF2B5EF4-FFF2-40B4-BE49-F238E27FC236}">
+                    <a16:creationId xmlns:a16="http://schemas.microsoft.com/office/drawing/2014/main" id="{1E20654E-D0F1-FA20-07CF-8FC5C0256C2B}"/>
+                  </a:ext>
+                </a:extLst>
+              </p:cNvPr>
+              <p:cNvPicPr>
+                <a:picLocks noChangeAspect="1"/>
+              </p:cNvPicPr>
+              <p:nvPr>
+                <p:custDataLst>
+                  <p:tags r:id="rId7"/>
+                </p:custDataLst>
+              </p:nvPr>
+            </p:nvPicPr>
+            <p:blipFill>
+              <a:blip r:embed="rId10">
+                <a:extLst>
+                  <a:ext uri="{28A0092B-C50C-407E-A947-70E740481C1C}">
+                    <a14:useLocalDpi xmlns:a14="http://schemas.microsoft.com/office/drawing/2010/main" val="0"/>
+                  </a:ext>
+                </a:extLst>
+              </a:blip>
+              <a:stretch>
+                <a:fillRect/>
+              </a:stretch>
+            </p:blipFill>
+            <p:spPr>
+              <a:xfrm>
+                <a:off x="2163363" y="-595477"/>
+                <a:ext cx="362057" cy="224914"/>
+              </a:xfrm>
+              <a:prstGeom prst="rect">
+                <a:avLst/>
+              </a:prstGeom>
+            </p:spPr>
+          </p:pic>
+        </p:grpSp>
+        <p:pic>
+          <p:nvPicPr>
+            <p:cNvPr id="84" name="Picture 19" descr="\documentclass{article}&#10;\usepackage{amsmath}&#10;\pagestyle{empty}&#10;\begin{document}&#10;\begin{align}&#10;p_m\nonumber&#10;\end{align}&#10;\end{document}" title="IguanaTex Bitmap Display">
+              <a:extLst>
+                <a:ext uri="{FF2B5EF4-FFF2-40B4-BE49-F238E27FC236}">
+                  <a16:creationId xmlns:a16="http://schemas.microsoft.com/office/drawing/2014/main" id="{CE6D61A5-2A4F-ADD6-FD56-7A5348BCEE16}"/>
+                </a:ext>
+              </a:extLst>
+            </p:cNvPr>
+            <p:cNvPicPr>
+              <a:picLocks noChangeAspect="1"/>
+            </p:cNvPicPr>
+            <p:nvPr>
+              <p:custDataLst>
+                <p:tags r:id="rId4"/>
+              </p:custDataLst>
+            </p:nvPr>
+          </p:nvPicPr>
+          <p:blipFill>
+            <a:blip r:embed="rId14">
+              <a:extLst>
+                <a:ext uri="{28A0092B-C50C-407E-A947-70E740481C1C}">
+                  <a14:useLocalDpi xmlns:a14="http://schemas.microsoft.com/office/drawing/2010/main" val="0"/>
+                </a:ext>
+              </a:extLst>
+            </a:blip>
+            <a:stretch>
+              <a:fillRect/>
+            </a:stretch>
+          </p:blipFill>
+          <p:spPr>
+            <a:xfrm>
+              <a:off x="3076327" y="1057306"/>
+              <a:ext cx="285257" cy="142629"/>
+            </a:xfrm>
+            <a:prstGeom prst="rect">
+              <a:avLst/>
+            </a:prstGeom>
+          </p:spPr>
+        </p:pic>
+        <p:sp>
+          <p:nvSpPr>
+            <p:cNvPr id="87" name="矩形 86">
+              <a:extLst>
+                <a:ext uri="{FF2B5EF4-FFF2-40B4-BE49-F238E27FC236}">
+                  <a16:creationId xmlns:a16="http://schemas.microsoft.com/office/drawing/2014/main" id="{93BE8C3C-5354-F452-CCD2-CAB03E85C57D}"/>
+                </a:ext>
+              </a:extLst>
+            </p:cNvPr>
+            <p:cNvSpPr/>
+            <p:nvPr/>
+          </p:nvSpPr>
+          <p:spPr>
+            <a:xfrm>
+              <a:off x="1019928" y="847344"/>
+              <a:ext cx="1164148" cy="984403"/>
+            </a:xfrm>
+            <a:prstGeom prst="rect">
+              <a:avLst/>
+            </a:prstGeom>
+            <a:noFill/>
+            <a:ln>
+              <a:solidFill>
+                <a:schemeClr val="accent4">
+                  <a:lumMod val="75000"/>
+                </a:schemeClr>
+              </a:solidFill>
+              <a:prstDash val="sysDash"/>
+            </a:ln>
+          </p:spPr>
+          <p:style>
+            <a:lnRef idx="2">
+              <a:schemeClr val="accent1">
+                <a:shade val="15000"/>
+              </a:schemeClr>
+            </a:lnRef>
+            <a:fillRef idx="1">
+              <a:schemeClr val="accent1"/>
+            </a:fillRef>
+            <a:effectRef idx="0">
+              <a:schemeClr val="accent1"/>
+            </a:effectRef>
+            <a:fontRef idx="minor">
+              <a:schemeClr val="lt1"/>
+            </a:fontRef>
+          </p:style>
+          <p:txBody>
+            <a:bodyPr rtlCol="0" anchor="ctr"/>
+            <a:lstStyle/>
+            <a:p>
+              <a:pPr algn="ctr"/>
+              <a:endParaRPr lang="zh-CN" altLang="en-US"/>
+            </a:p>
+          </p:txBody>
+        </p:sp>
+        <p:sp>
+          <p:nvSpPr>
+            <p:cNvPr id="88" name="文本框 87">
+              <a:extLst>
+                <a:ext uri="{FF2B5EF4-FFF2-40B4-BE49-F238E27FC236}">
+                  <a16:creationId xmlns:a16="http://schemas.microsoft.com/office/drawing/2014/main" id="{D3DA0F30-FF46-42C7-AC2D-8A9A77ECBA9C}"/>
+                </a:ext>
+              </a:extLst>
+            </p:cNvPr>
+            <p:cNvSpPr txBox="1"/>
+            <p:nvPr/>
+          </p:nvSpPr>
+          <p:spPr>
+            <a:xfrm>
+              <a:off x="1250129" y="816945"/>
+              <a:ext cx="787182" cy="276999"/>
+            </a:xfrm>
+            <a:prstGeom prst="rect">
+              <a:avLst/>
+            </a:prstGeom>
+            <a:noFill/>
+          </p:spPr>
+          <p:txBody>
+            <a:bodyPr wrap="square" rtlCol="0">
+              <a:spAutoFit/>
+            </a:bodyPr>
+            <a:lstStyle/>
+            <a:p>
+              <a:r>
+                <a:rPr lang="en-US" altLang="zh-CN" sz="1200" dirty="0">
+                  <a:solidFill>
+                    <a:schemeClr val="accent4">
+                      <a:lumMod val="75000"/>
+                    </a:schemeClr>
+                  </a:solidFill>
+                  <a:latin typeface="Times New Roman" panose="02020603050405020304" pitchFamily="18" charset="0"/>
+                  <a:cs typeface="Times New Roman" panose="02020603050405020304" pitchFamily="18" charset="0"/>
+                </a:rPr>
+                <a:t>INASMC</a:t>
+              </a:r>
+              <a:endParaRPr lang="zh-CN" altLang="en-US" sz="1200" dirty="0">
+                <a:solidFill>
+                  <a:schemeClr val="accent4">
+                    <a:lumMod val="75000"/>
+                  </a:schemeClr>
+                </a:solidFill>
+                <a:latin typeface="Times New Roman" panose="02020603050405020304" pitchFamily="18" charset="0"/>
+                <a:cs typeface="Times New Roman" panose="02020603050405020304" pitchFamily="18" charset="0"/>
+              </a:endParaRPr>
+            </a:p>
+          </p:txBody>
+        </p:sp>
+      </p:grpSp>
+    </p:spTree>
+    <p:extLst>
+      <p:ext uri="{BB962C8B-B14F-4D97-AF65-F5344CB8AC3E}">
+        <p14:creationId xmlns:p14="http://schemas.microsoft.com/office/powerpoint/2010/main" val="3466719474"/>
+      </p:ext>
+    </p:extLst>
+  </p:cSld>
+  <p:clrMapOvr>
+    <a:masterClrMapping/>
+  </p:clrMapOvr>
+</p:sld>
+</file>
+
 <file path=ppt/tags/tag1.xml><?xml version="1.0" encoding="utf-8"?>
 <p:tagLst xmlns:a="http://schemas.openxmlformats.org/drawingml/2006/main" xmlns:r="http://schemas.openxmlformats.org/officeDocument/2006/relationships" xmlns:p="http://schemas.openxmlformats.org/presentationml/2006/main">
   <p:tag name="OUTPUTDPI" val="300"/>
@@ -9370,6 +11226,146 @@
 </p:tagLst>
 </file>
 
+<file path=ppt/tags/tag40.xml><?xml version="1.0" encoding="utf-8"?>
+<p:tagLst xmlns:a="http://schemas.openxmlformats.org/drawingml/2006/main" xmlns:r="http://schemas.openxmlformats.org/officeDocument/2006/relationships" xmlns:p="http://schemas.openxmlformats.org/presentationml/2006/main">
+  <p:tag name="OUTPUTDPI" val="300"/>
+  <p:tag name="ORIGINALHEIGHT" val="27.74654"/>
+  <p:tag name="ORIGINALWIDTH" val="68.99134"/>
+  <p:tag name="OUTPUTTYPE" val="PNG"/>
+  <p:tag name="IGUANATEXVERSION" val="160"/>
+  <p:tag name="LATEXADDIN" val="\documentclass{article}&#10;\usepackage{amsmath}&#10;\pagestyle{empty}&#10;\begin{document}&#10;\begin{align}&#10;q_d,\dot{q}_d\nonumber&#10;\end{align}&#10;\end{document}"/>
+  <p:tag name="IGUANATEXSIZE" val="18"/>
+  <p:tag name="IGUANATEXCURSOR" val="107"/>
+  <p:tag name="TRANSPARENCY" val="True"/>
+  <p:tag name="LATEXENGINEID" val="0"/>
+  <p:tag name="TEMPFOLDER" val="D:\"/>
+  <p:tag name="LATEXFORMHEIGHT" val="312"/>
+  <p:tag name="LATEXFORMWIDTH" val="384"/>
+  <p:tag name="LATEXFORMWRAP" val="True"/>
+  <p:tag name="BITMAPVECTOR" val="0"/>
+</p:tagLst>
+</file>
+
+<file path=ppt/tags/tag41.xml><?xml version="1.0" encoding="utf-8"?>
+<p:tagLst xmlns:a="http://schemas.openxmlformats.org/drawingml/2006/main" xmlns:r="http://schemas.openxmlformats.org/officeDocument/2006/relationships" xmlns:p="http://schemas.openxmlformats.org/presentationml/2006/main">
+  <p:tag name="OUTPUTDPI" val="300"/>
+  <p:tag name="ORIGINALHEIGHT" val="30.74614"/>
+  <p:tag name="ORIGINALWIDTH" val="49.49378"/>
+  <p:tag name="OUTPUTTYPE" val="PNG"/>
+  <p:tag name="IGUANATEXVERSION" val="160"/>
+  <p:tag name="LATEXADDIN" val="\documentclass{article}&#10;\usepackage{amsmath}&#10;\pagestyle{empty}&#10;\begin{document}&#10;\begin{align}&#10;\tau/f\nonumber&#10;\end{align}&#10;\end{document}"/>
+  <p:tag name="IGUANATEXSIZE" val="18"/>
+  <p:tag name="IGUANATEXCURSOR" val="100"/>
+  <p:tag name="TRANSPARENCY" val="True"/>
+  <p:tag name="LATEXENGINEID" val="0"/>
+  <p:tag name="TEMPFOLDER" val="D:\"/>
+  <p:tag name="LATEXFORMHEIGHT" val="312"/>
+  <p:tag name="LATEXFORMWIDTH" val="384"/>
+  <p:tag name="LATEXFORMWRAP" val="True"/>
+  <p:tag name="BITMAPVECTOR" val="0"/>
+</p:tagLst>
+</file>
+
+<file path=ppt/tags/tag42.xml><?xml version="1.0" encoding="utf-8"?>
+<p:tagLst xmlns:a="http://schemas.openxmlformats.org/drawingml/2006/main" xmlns:r="http://schemas.openxmlformats.org/officeDocument/2006/relationships" xmlns:p="http://schemas.openxmlformats.org/presentationml/2006/main">
+  <p:tag name="OUTPUTDPI" val="300"/>
+  <p:tag name="ORIGINALHEIGHT" val="19.49756"/>
+  <p:tag name="ORIGINALWIDTH" val="13.49835"/>
+  <p:tag name="OUTPUTTYPE" val="PNG"/>
+  <p:tag name="IGUANATEXVERSION" val="160"/>
+  <p:tag name="LATEXADDIN" val="\documentclass{article}&#10;\usepackage{amsmath}&#10;\pagestyle{empty}&#10;\begin{document}&#10;\begin{align}&#10;q\nonumber&#10;\end{align}&#10;\end{document}"/>
+  <p:tag name="IGUANATEXSIZE" val="18"/>
+  <p:tag name="IGUANATEXCURSOR" val="95"/>
+  <p:tag name="TRANSPARENCY" val="True"/>
+  <p:tag name="LATEXENGINEID" val="0"/>
+  <p:tag name="TEMPFOLDER" val="D:\"/>
+  <p:tag name="LATEXFORMHEIGHT" val="312"/>
+  <p:tag name="LATEXFORMWIDTH" val="384"/>
+  <p:tag name="LATEXFORMWRAP" val="True"/>
+  <p:tag name="BITMAPVECTOR" val="0"/>
+</p:tagLst>
+</file>
+
+<file path=ppt/tags/tag43.xml><?xml version="1.0" encoding="utf-8"?>
+<p:tagLst xmlns:a="http://schemas.openxmlformats.org/drawingml/2006/main" xmlns:r="http://schemas.openxmlformats.org/officeDocument/2006/relationships" xmlns:p="http://schemas.openxmlformats.org/presentationml/2006/main">
+  <p:tag name="OUTPUTDPI" val="300"/>
+  <p:tag name="ORIGINALHEIGHT" val="19.49756"/>
+  <p:tag name="ORIGINALWIDTH" val="38.99512"/>
+  <p:tag name="OUTPUTTYPE" val="PNG"/>
+  <p:tag name="IGUANATEXVERSION" val="160"/>
+  <p:tag name="LATEXADDIN" val="\documentclass{article}&#10;\usepackage{amsmath}&#10;\pagestyle{empty}&#10;\begin{document}&#10;\begin{align}&#10;p_m\nonumber&#10;\end{align}&#10;\end{document}"/>
+  <p:tag name="IGUANATEXSIZE" val="18"/>
+  <p:tag name="IGUANATEXCURSOR" val="97"/>
+  <p:tag name="TRANSPARENCY" val="True"/>
+  <p:tag name="LATEXENGINEID" val="0"/>
+  <p:tag name="TEMPFOLDER" val="D:\"/>
+  <p:tag name="LATEXFORMHEIGHT" val="312"/>
+  <p:tag name="LATEXFORMWIDTH" val="384"/>
+  <p:tag name="LATEXFORMWRAP" val="True"/>
+  <p:tag name="BITMAPVECTOR" val="0"/>
+</p:tagLst>
+</file>
+
+<file path=ppt/tags/tag44.xml><?xml version="1.0" encoding="utf-8"?>
+<p:tagLst xmlns:a="http://schemas.openxmlformats.org/drawingml/2006/main" xmlns:r="http://schemas.openxmlformats.org/officeDocument/2006/relationships" xmlns:p="http://schemas.openxmlformats.org/presentationml/2006/main">
+  <p:tag name="OUTPUTDPI" val="300"/>
+  <p:tag name="ORIGINALHEIGHT" val="19.49756"/>
+  <p:tag name="ORIGINALWIDTH" val="29.99622"/>
+  <p:tag name="OUTPUTTYPE" val="PNG"/>
+  <p:tag name="IGUANATEXVERSION" val="160"/>
+  <p:tag name="LATEXADDIN" val="\documentclass{article}&#10;\usepackage{amsmath}&#10;\pagestyle{empty}&#10;\begin{document}&#10;\begin{align}&#10;p_d\nonumber&#10;\end{align}&#10;\end{document}"/>
+  <p:tag name="IGUANATEXSIZE" val="18"/>
+  <p:tag name="IGUANATEXCURSOR" val="94"/>
+  <p:tag name="TRANSPARENCY" val="True"/>
+  <p:tag name="LATEXENGINEID" val="0"/>
+  <p:tag name="TEMPFOLDER" val="D:\"/>
+  <p:tag name="LATEXFORMHEIGHT" val="312"/>
+  <p:tag name="LATEXFORMWIDTH" val="384"/>
+  <p:tag name="LATEXFORMWRAP" val="True"/>
+  <p:tag name="BITMAPVECTOR" val="0"/>
+</p:tagLst>
+</file>
+
+<file path=ppt/tags/tag45.xml><?xml version="1.0" encoding="utf-8"?>
+<p:tagLst xmlns:a="http://schemas.openxmlformats.org/drawingml/2006/main" xmlns:r="http://schemas.openxmlformats.org/officeDocument/2006/relationships" xmlns:p="http://schemas.openxmlformats.org/presentationml/2006/main">
+  <p:tag name="OUTPUTDPI" val="300"/>
+  <p:tag name="ORIGINALHEIGHT" val="19.49756"/>
+  <p:tag name="ORIGINALWIDTH" val="38.99512"/>
+  <p:tag name="OUTPUTTYPE" val="PNG"/>
+  <p:tag name="IGUANATEXVERSION" val="160"/>
+  <p:tag name="LATEXADDIN" val="\documentclass{article}&#10;\usepackage{amsmath}&#10;\pagestyle{empty}&#10;\begin{document}&#10;\begin{align}&#10;p_m\nonumber&#10;\end{align}&#10;\end{document}"/>
+  <p:tag name="IGUANATEXSIZE" val="18"/>
+  <p:tag name="IGUANATEXCURSOR" val="97"/>
+  <p:tag name="TRANSPARENCY" val="True"/>
+  <p:tag name="LATEXENGINEID" val="0"/>
+  <p:tag name="TEMPFOLDER" val="D:\"/>
+  <p:tag name="LATEXFORMHEIGHT" val="312"/>
+  <p:tag name="LATEXFORMWIDTH" val="384"/>
+  <p:tag name="LATEXFORMWRAP" val="True"/>
+  <p:tag name="BITMAPVECTOR" val="0"/>
+</p:tagLst>
+</file>
+
+<file path=ppt/tags/tag46.xml><?xml version="1.0" encoding="utf-8"?>
+<p:tagLst xmlns:a="http://schemas.openxmlformats.org/drawingml/2006/main" xmlns:r="http://schemas.openxmlformats.org/officeDocument/2006/relationships" xmlns:p="http://schemas.openxmlformats.org/presentationml/2006/main">
+  <p:tag name="OUTPUTDPI" val="300"/>
+  <p:tag name="ORIGINALHEIGHT" val="30.74614"/>
+  <p:tag name="ORIGINALWIDTH" val="49.49378"/>
+  <p:tag name="OUTPUTTYPE" val="PNG"/>
+  <p:tag name="IGUANATEXVERSION" val="160"/>
+  <p:tag name="LATEXADDIN" val="\documentclass{article}&#10;\usepackage{amsmath}&#10;\pagestyle{empty}&#10;\begin{document}&#10;\begin{align}&#10;\tau/f\nonumber&#10;\end{align}&#10;\end{document}"/>
+  <p:tag name="IGUANATEXSIZE" val="18"/>
+  <p:tag name="IGUANATEXCURSOR" val="100"/>
+  <p:tag name="TRANSPARENCY" val="True"/>
+  <p:tag name="LATEXENGINEID" val="0"/>
+  <p:tag name="TEMPFOLDER" val="D:\"/>
+  <p:tag name="LATEXFORMHEIGHT" val="312"/>
+  <p:tag name="LATEXFORMWIDTH" val="384"/>
+  <p:tag name="LATEXFORMWRAP" val="True"/>
+  <p:tag name="BITMAPVECTOR" val="0"/>
+</p:tagLst>
+</file>
+
 <file path=ppt/tags/tag5.xml><?xml version="1.0" encoding="utf-8"?>
 <p:tagLst xmlns:a="http://schemas.openxmlformats.org/drawingml/2006/main" xmlns:r="http://schemas.openxmlformats.org/officeDocument/2006/relationships" xmlns:p="http://schemas.openxmlformats.org/presentationml/2006/main">
   <p:tag name="OUTPUTDPI" val="300"/>
